--- a/説明書.pptx
+++ b/説明書.pptx
@@ -1364,8 +1364,8 @@
       </dsp:nvSpPr>
       <dsp:spPr>
         <a:xfrm>
-          <a:off x="10647" y="8505"/>
-          <a:ext cx="2830762" cy="656671"/>
+          <a:off x="10647" y="1734"/>
+          <a:ext cx="2830762" cy="670213"/>
         </a:xfrm>
         <a:prstGeom prst="rect">
           <a:avLst/>
@@ -1425,8 +1425,8 @@
         </a:p>
       </dsp:txBody>
       <dsp:txXfrm>
-        <a:off x="10647" y="8505"/>
-        <a:ext cx="2830762" cy="656671"/>
+        <a:off x="10647" y="1734"/>
+        <a:ext cx="2830762" cy="670213"/>
       </dsp:txXfrm>
     </dsp:sp>
     <dsp:sp modelId="{5D1381A1-37BC-4423-8EB1-2D8BB6608E68}">
@@ -1436,7 +1436,7 @@
       </dsp:nvSpPr>
       <dsp:spPr>
         <a:xfrm>
-          <a:off x="10647" y="665176"/>
+          <a:off x="10647" y="671947"/>
           <a:ext cx="2830762" cy="1099134"/>
         </a:xfrm>
         <a:prstGeom prst="rect">
@@ -1500,7 +1500,7 @@
         </a:p>
       </dsp:txBody>
       <dsp:txXfrm>
-        <a:off x="10647" y="665176"/>
+        <a:off x="10647" y="671947"/>
         <a:ext cx="2830762" cy="1099134"/>
       </dsp:txXfrm>
     </dsp:sp>
@@ -1511,8 +1511,8 @@
       </dsp:nvSpPr>
       <dsp:spPr>
         <a:xfrm>
-          <a:off x="3237716" y="17499"/>
-          <a:ext cx="3173638" cy="656671"/>
+          <a:off x="3237716" y="10728"/>
+          <a:ext cx="3173638" cy="670213"/>
         </a:xfrm>
         <a:prstGeom prst="rect">
           <a:avLst/>
@@ -1572,8 +1572,8 @@
         </a:p>
       </dsp:txBody>
       <dsp:txXfrm>
-        <a:off x="3237716" y="17499"/>
-        <a:ext cx="3173638" cy="656671"/>
+        <a:off x="3237716" y="10728"/>
+        <a:ext cx="3173638" cy="670213"/>
       </dsp:txXfrm>
     </dsp:sp>
     <dsp:sp modelId="{D696E469-B4D3-4E8D-BF9C-7B5EAFB6DBD7}">
@@ -1583,7 +1583,7 @@
       </dsp:nvSpPr>
       <dsp:spPr>
         <a:xfrm>
-          <a:off x="3237716" y="680122"/>
+          <a:off x="3237716" y="686893"/>
           <a:ext cx="3173638" cy="1075195"/>
         </a:xfrm>
         <a:prstGeom prst="rect">
@@ -1666,7 +1666,7 @@
         </a:p>
       </dsp:txBody>
       <dsp:txXfrm>
-        <a:off x="3237716" y="680122"/>
+        <a:off x="3237716" y="686893"/>
         <a:ext cx="3173638" cy="1075195"/>
       </dsp:txXfrm>
     </dsp:sp>
@@ -1677,8 +1677,8 @@
       </dsp:nvSpPr>
       <dsp:spPr>
         <a:xfrm>
-          <a:off x="6807661" y="14523"/>
-          <a:ext cx="2830762" cy="656671"/>
+          <a:off x="6807661" y="7752"/>
+          <a:ext cx="2830762" cy="670213"/>
         </a:xfrm>
         <a:prstGeom prst="rect">
           <a:avLst/>
@@ -1738,8 +1738,8 @@
         </a:p>
       </dsp:txBody>
       <dsp:txXfrm>
-        <a:off x="6807661" y="14523"/>
-        <a:ext cx="2830762" cy="656671"/>
+        <a:off x="6807661" y="7752"/>
+        <a:ext cx="2830762" cy="670213"/>
       </dsp:txXfrm>
     </dsp:sp>
     <dsp:sp modelId="{EA0B6686-BA98-41A6-B1FA-AC4BC4C909D3}">
@@ -1749,7 +1749,7 @@
       </dsp:nvSpPr>
       <dsp:spPr>
         <a:xfrm>
-          <a:off x="6807661" y="671194"/>
+          <a:off x="6807661" y="677965"/>
           <a:ext cx="2830762" cy="1087099"/>
         </a:xfrm>
         <a:prstGeom prst="rect">
@@ -1813,7 +1813,7 @@
         </a:p>
       </dsp:txBody>
       <dsp:txXfrm>
-        <a:off x="6807661" y="671194"/>
+        <a:off x="6807661" y="677965"/>
         <a:ext cx="2830762" cy="1087099"/>
       </dsp:txXfrm>
     </dsp:sp>
@@ -3253,7 +3253,7 @@
           <a:p>
             <a:fld id="{52CB16DE-4144-4CD2-832B-4C6581132D8F}" type="datetimeFigureOut">
               <a:rPr kumimoji="1" lang="ja-JP" altLang="en-US" smtClean="0"/>
-              <a:t>2015/1/26</a:t>
+              <a:t>2015/1/27</a:t>
             </a:fld>
             <a:endParaRPr kumimoji="1" lang="ja-JP" altLang="en-US"/>
           </a:p>
@@ -3455,7 +3455,7 @@
           <a:p>
             <a:fld id="{52CB16DE-4144-4CD2-832B-4C6581132D8F}" type="datetimeFigureOut">
               <a:rPr kumimoji="1" lang="ja-JP" altLang="en-US" smtClean="0"/>
-              <a:t>2015/1/26</a:t>
+              <a:t>2015/1/27</a:t>
             </a:fld>
             <a:endParaRPr kumimoji="1" lang="ja-JP" altLang="en-US"/>
           </a:p>
@@ -3667,7 +3667,7 @@
           <a:p>
             <a:fld id="{52CB16DE-4144-4CD2-832B-4C6581132D8F}" type="datetimeFigureOut">
               <a:rPr kumimoji="1" lang="ja-JP" altLang="en-US" smtClean="0"/>
-              <a:t>2015/1/26</a:t>
+              <a:t>2015/1/27</a:t>
             </a:fld>
             <a:endParaRPr kumimoji="1" lang="ja-JP" altLang="en-US"/>
           </a:p>
@@ -3869,7 +3869,7 @@
           <a:p>
             <a:fld id="{52CB16DE-4144-4CD2-832B-4C6581132D8F}" type="datetimeFigureOut">
               <a:rPr kumimoji="1" lang="ja-JP" altLang="en-US" smtClean="0"/>
-              <a:t>2015/1/26</a:t>
+              <a:t>2015/1/27</a:t>
             </a:fld>
             <a:endParaRPr kumimoji="1" lang="ja-JP" altLang="en-US"/>
           </a:p>
@@ -4115,7 +4115,7 @@
           <a:p>
             <a:fld id="{52CB16DE-4144-4CD2-832B-4C6581132D8F}" type="datetimeFigureOut">
               <a:rPr kumimoji="1" lang="ja-JP" altLang="en-US" smtClean="0"/>
-              <a:t>2015/1/26</a:t>
+              <a:t>2015/1/27</a:t>
             </a:fld>
             <a:endParaRPr kumimoji="1" lang="ja-JP" altLang="en-US"/>
           </a:p>
@@ -4467,7 +4467,7 @@
           <a:p>
             <a:fld id="{52CB16DE-4144-4CD2-832B-4C6581132D8F}" type="datetimeFigureOut">
               <a:rPr kumimoji="1" lang="ja-JP" altLang="en-US" smtClean="0"/>
-              <a:t>2015/1/26</a:t>
+              <a:t>2015/1/27</a:t>
             </a:fld>
             <a:endParaRPr kumimoji="1" lang="ja-JP" altLang="en-US"/>
           </a:p>
@@ -4953,7 +4953,7 @@
           <a:p>
             <a:fld id="{52CB16DE-4144-4CD2-832B-4C6581132D8F}" type="datetimeFigureOut">
               <a:rPr kumimoji="1" lang="ja-JP" altLang="en-US" smtClean="0"/>
-              <a:t>2015/1/26</a:t>
+              <a:t>2015/1/27</a:t>
             </a:fld>
             <a:endParaRPr kumimoji="1" lang="ja-JP" altLang="en-US"/>
           </a:p>
@@ -5071,7 +5071,7 @@
           <a:p>
             <a:fld id="{52CB16DE-4144-4CD2-832B-4C6581132D8F}" type="datetimeFigureOut">
               <a:rPr kumimoji="1" lang="ja-JP" altLang="en-US" smtClean="0"/>
-              <a:t>2015/1/26</a:t>
+              <a:t>2015/1/27</a:t>
             </a:fld>
             <a:endParaRPr kumimoji="1" lang="ja-JP" altLang="en-US"/>
           </a:p>
@@ -5166,7 +5166,7 @@
           <a:p>
             <a:fld id="{52CB16DE-4144-4CD2-832B-4C6581132D8F}" type="datetimeFigureOut">
               <a:rPr kumimoji="1" lang="ja-JP" altLang="en-US" smtClean="0"/>
-              <a:t>2015/1/26</a:t>
+              <a:t>2015/1/27</a:t>
             </a:fld>
             <a:endParaRPr kumimoji="1" lang="ja-JP" altLang="en-US"/>
           </a:p>
@@ -5475,7 +5475,7 @@
           <a:p>
             <a:fld id="{52CB16DE-4144-4CD2-832B-4C6581132D8F}" type="datetimeFigureOut">
               <a:rPr kumimoji="1" lang="ja-JP" altLang="en-US" smtClean="0"/>
-              <a:t>2015/1/26</a:t>
+              <a:t>2015/1/27</a:t>
             </a:fld>
             <a:endParaRPr kumimoji="1" lang="ja-JP" altLang="en-US"/>
           </a:p>
@@ -5728,7 +5728,7 @@
           <a:p>
             <a:fld id="{52CB16DE-4144-4CD2-832B-4C6581132D8F}" type="datetimeFigureOut">
               <a:rPr kumimoji="1" lang="ja-JP" altLang="en-US" smtClean="0"/>
-              <a:t>2015/1/26</a:t>
+              <a:t>2015/1/27</a:t>
             </a:fld>
             <a:endParaRPr kumimoji="1" lang="ja-JP" altLang="en-US"/>
           </a:p>
@@ -5973,7 +5973,7 @@
           <a:p>
             <a:fld id="{52CB16DE-4144-4CD2-832B-4C6581132D8F}" type="datetimeFigureOut">
               <a:rPr kumimoji="1" lang="ja-JP" altLang="en-US" smtClean="0"/>
-              <a:t>2015/1/26</a:t>
+              <a:t>2015/1/27</a:t>
             </a:fld>
             <a:endParaRPr kumimoji="1" lang="ja-JP" altLang="en-US"/>
           </a:p>
@@ -6429,8 +6429,8 @@
         </p:nvGrpSpPr>
         <p:grpSpPr>
           <a:xfrm>
-            <a:off x="378221" y="19546"/>
-            <a:ext cx="9255299" cy="5065638"/>
+            <a:off x="1102132" y="1168786"/>
+            <a:ext cx="7560840" cy="3873809"/>
             <a:chOff x="1397987" y="1"/>
             <a:chExt cx="7068937" cy="5468112"/>
           </a:xfrm>
@@ -6740,6 +6740,88 @@
           </p:txBody>
         </p:sp>
       </p:grpSp>
+      <p:pic>
+        <p:nvPicPr>
+          <p:cNvPr id="1026" name="Picture 2" descr="C:\Users\Yusuke\Desktop\teamrogo.png"/>
+          <p:cNvPicPr>
+            <a:picLocks noChangeAspect="1" noChangeArrowheads="1"/>
+          </p:cNvPicPr>
+          <p:nvPr/>
+        </p:nvPicPr>
+        <p:blipFill>
+          <a:blip r:embed="rId8" cstate="print">
+            <a:extLst>
+              <a:ext uri="{28A0092B-C50C-407E-A947-70E740481C1C}">
+                <a14:useLocalDpi xmlns:a14="http://schemas.microsoft.com/office/drawing/2010/main" val="0"/>
+              </a:ext>
+            </a:extLst>
+          </a:blip>
+          <a:srcRect/>
+          <a:stretch>
+            <a:fillRect/>
+          </a:stretch>
+        </p:blipFill>
+        <p:spPr bwMode="auto">
+          <a:xfrm>
+            <a:off x="6609184" y="-207251"/>
+            <a:ext cx="3606085" cy="1803336"/>
+          </a:xfrm>
+          <a:prstGeom prst="rect">
+            <a:avLst/>
+          </a:prstGeom>
+          <a:noFill/>
+          <a:extLst>
+            <a:ext uri="{909E8E84-426E-40DD-AFC4-6F175D3DCCD1}">
+              <a14:hiddenFill xmlns:a14="http://schemas.microsoft.com/office/drawing/2010/main">
+                <a:solidFill>
+                  <a:srgbClr val="FFFFFF"/>
+                </a:solidFill>
+              </a14:hiddenFill>
+            </a:ext>
+          </a:extLst>
+        </p:spPr>
+      </p:pic>
+      <p:pic>
+        <p:nvPicPr>
+          <p:cNvPr id="1027" name="Picture 3" descr="C:\Users\Yusuke\Desktop\title.png"/>
+          <p:cNvPicPr>
+            <a:picLocks noChangeAspect="1" noChangeArrowheads="1"/>
+          </p:cNvPicPr>
+          <p:nvPr/>
+        </p:nvPicPr>
+        <p:blipFill>
+          <a:blip r:embed="rId9">
+            <a:extLst>
+              <a:ext uri="{28A0092B-C50C-407E-A947-70E740481C1C}">
+                <a14:useLocalDpi xmlns:a14="http://schemas.microsoft.com/office/drawing/2010/main" val="0"/>
+              </a:ext>
+            </a:extLst>
+          </a:blip>
+          <a:srcRect/>
+          <a:stretch>
+            <a:fillRect/>
+          </a:stretch>
+        </p:blipFill>
+        <p:spPr bwMode="auto">
+          <a:xfrm>
+            <a:off x="1186895" y="-1612669"/>
+            <a:ext cx="5828983" cy="3551309"/>
+          </a:xfrm>
+          <a:prstGeom prst="rect">
+            <a:avLst/>
+          </a:prstGeom>
+          <a:noFill/>
+          <a:extLst>
+            <a:ext uri="{909E8E84-426E-40DD-AFC4-6F175D3DCCD1}">
+              <a14:hiddenFill xmlns:a14="http://schemas.microsoft.com/office/drawing/2010/main">
+                <a:solidFill>
+                  <a:srgbClr val="FFFFFF"/>
+                </a:solidFill>
+              </a14:hiddenFill>
+            </a:ext>
+          </a:extLst>
+        </p:spPr>
+      </p:pic>
     </p:spTree>
     <p:extLst>
       <p:ext uri="{BB962C8B-B14F-4D97-AF65-F5344CB8AC3E}">

--- a/説明書.pptx
+++ b/説明書.pptx
@@ -3253,7 +3253,7 @@
           <a:p>
             <a:fld id="{52CB16DE-4144-4CD2-832B-4C6581132D8F}" type="datetimeFigureOut">
               <a:rPr kumimoji="1" lang="ja-JP" altLang="en-US" smtClean="0"/>
-              <a:t>2015/1/27</a:t>
+              <a:t>2015/1/29</a:t>
             </a:fld>
             <a:endParaRPr kumimoji="1" lang="ja-JP" altLang="en-US"/>
           </a:p>
@@ -3455,7 +3455,7 @@
           <a:p>
             <a:fld id="{52CB16DE-4144-4CD2-832B-4C6581132D8F}" type="datetimeFigureOut">
               <a:rPr kumimoji="1" lang="ja-JP" altLang="en-US" smtClean="0"/>
-              <a:t>2015/1/27</a:t>
+              <a:t>2015/1/29</a:t>
             </a:fld>
             <a:endParaRPr kumimoji="1" lang="ja-JP" altLang="en-US"/>
           </a:p>
@@ -3667,7 +3667,7 @@
           <a:p>
             <a:fld id="{52CB16DE-4144-4CD2-832B-4C6581132D8F}" type="datetimeFigureOut">
               <a:rPr kumimoji="1" lang="ja-JP" altLang="en-US" smtClean="0"/>
-              <a:t>2015/1/27</a:t>
+              <a:t>2015/1/29</a:t>
             </a:fld>
             <a:endParaRPr kumimoji="1" lang="ja-JP" altLang="en-US"/>
           </a:p>
@@ -3869,7 +3869,7 @@
           <a:p>
             <a:fld id="{52CB16DE-4144-4CD2-832B-4C6581132D8F}" type="datetimeFigureOut">
               <a:rPr kumimoji="1" lang="ja-JP" altLang="en-US" smtClean="0"/>
-              <a:t>2015/1/27</a:t>
+              <a:t>2015/1/29</a:t>
             </a:fld>
             <a:endParaRPr kumimoji="1" lang="ja-JP" altLang="en-US"/>
           </a:p>
@@ -4115,7 +4115,7 @@
           <a:p>
             <a:fld id="{52CB16DE-4144-4CD2-832B-4C6581132D8F}" type="datetimeFigureOut">
               <a:rPr kumimoji="1" lang="ja-JP" altLang="en-US" smtClean="0"/>
-              <a:t>2015/1/27</a:t>
+              <a:t>2015/1/29</a:t>
             </a:fld>
             <a:endParaRPr kumimoji="1" lang="ja-JP" altLang="en-US"/>
           </a:p>
@@ -4467,7 +4467,7 @@
           <a:p>
             <a:fld id="{52CB16DE-4144-4CD2-832B-4C6581132D8F}" type="datetimeFigureOut">
               <a:rPr kumimoji="1" lang="ja-JP" altLang="en-US" smtClean="0"/>
-              <a:t>2015/1/27</a:t>
+              <a:t>2015/1/29</a:t>
             </a:fld>
             <a:endParaRPr kumimoji="1" lang="ja-JP" altLang="en-US"/>
           </a:p>
@@ -4953,7 +4953,7 @@
           <a:p>
             <a:fld id="{52CB16DE-4144-4CD2-832B-4C6581132D8F}" type="datetimeFigureOut">
               <a:rPr kumimoji="1" lang="ja-JP" altLang="en-US" smtClean="0"/>
-              <a:t>2015/1/27</a:t>
+              <a:t>2015/1/29</a:t>
             </a:fld>
             <a:endParaRPr kumimoji="1" lang="ja-JP" altLang="en-US"/>
           </a:p>
@@ -5071,7 +5071,7 @@
           <a:p>
             <a:fld id="{52CB16DE-4144-4CD2-832B-4C6581132D8F}" type="datetimeFigureOut">
               <a:rPr kumimoji="1" lang="ja-JP" altLang="en-US" smtClean="0"/>
-              <a:t>2015/1/27</a:t>
+              <a:t>2015/1/29</a:t>
             </a:fld>
             <a:endParaRPr kumimoji="1" lang="ja-JP" altLang="en-US"/>
           </a:p>
@@ -5166,7 +5166,7 @@
           <a:p>
             <a:fld id="{52CB16DE-4144-4CD2-832B-4C6581132D8F}" type="datetimeFigureOut">
               <a:rPr kumimoji="1" lang="ja-JP" altLang="en-US" smtClean="0"/>
-              <a:t>2015/1/27</a:t>
+              <a:t>2015/1/29</a:t>
             </a:fld>
             <a:endParaRPr kumimoji="1" lang="ja-JP" altLang="en-US"/>
           </a:p>
@@ -5475,7 +5475,7 @@
           <a:p>
             <a:fld id="{52CB16DE-4144-4CD2-832B-4C6581132D8F}" type="datetimeFigureOut">
               <a:rPr kumimoji="1" lang="ja-JP" altLang="en-US" smtClean="0"/>
-              <a:t>2015/1/27</a:t>
+              <a:t>2015/1/29</a:t>
             </a:fld>
             <a:endParaRPr kumimoji="1" lang="ja-JP" altLang="en-US"/>
           </a:p>
@@ -5728,7 +5728,7 @@
           <a:p>
             <a:fld id="{52CB16DE-4144-4CD2-832B-4C6581132D8F}" type="datetimeFigureOut">
               <a:rPr kumimoji="1" lang="ja-JP" altLang="en-US" smtClean="0"/>
-              <a:t>2015/1/27</a:t>
+              <a:t>2015/1/29</a:t>
             </a:fld>
             <a:endParaRPr kumimoji="1" lang="ja-JP" altLang="en-US"/>
           </a:p>
@@ -5973,7 +5973,7 @@
           <a:p>
             <a:fld id="{52CB16DE-4144-4CD2-832B-4C6581132D8F}" type="datetimeFigureOut">
               <a:rPr kumimoji="1" lang="ja-JP" altLang="en-US" smtClean="0"/>
-              <a:t>2015/1/27</a:t>
+              <a:t>2015/1/29</a:t>
             </a:fld>
             <a:endParaRPr kumimoji="1" lang="ja-JP" altLang="en-US"/>
           </a:p>

--- a/説明書.pptx
+++ b/説明書.pptx
@@ -857,7 +857,7 @@
 <file path=ppt/diagrams/data1.xml><?xml version="1.0" encoding="utf-8"?>
 <dgm:dataModel xmlns:dgm="http://schemas.openxmlformats.org/drawingml/2006/diagram" xmlns:a="http://schemas.openxmlformats.org/drawingml/2006/main">
   <dgm:ptLst>
-    <dgm:pt modelId="{803E64A3-4BFD-4B60-8002-D664EEB936DB}" type="doc">
+    <dgm:pt modelId="{EB8C3C1B-75D6-45A1-9E8C-A5C13FED6FD8}" type="doc">
       <dgm:prSet loTypeId="urn:microsoft.com/office/officeart/2005/8/layout/hList1" loCatId="list" qsTypeId="urn:microsoft.com/office/officeart/2005/8/quickstyle/simple1" qsCatId="simple" csTypeId="urn:microsoft.com/office/officeart/2005/8/colors/accent1_2" csCatId="accent1" phldr="1"/>
       <dgm:spPr/>
       <dgm:t>
@@ -868,15 +868,9 @@
         </a:p>
       </dgm:t>
     </dgm:pt>
-    <dgm:pt modelId="{630AACC9-A2F2-4F29-B5DC-7521413C1EC5}">
+    <dgm:pt modelId="{C22B3DDF-9EE2-4099-87FE-6DC0C5138D86}">
       <dgm:prSet phldrT="[テキスト]" custT="1"/>
-      <dgm:spPr>
-        <a:ln>
-          <a:solidFill>
-            <a:schemeClr val="tx1"/>
-          </a:solidFill>
-        </a:ln>
-      </dgm:spPr>
+      <dgm:spPr/>
       <dgm:t>
         <a:bodyPr/>
         <a:lstStyle/>
@@ -889,7 +883,7 @@
         </a:p>
       </dgm:t>
     </dgm:pt>
-    <dgm:pt modelId="{FF1D4831-B486-4537-82F1-C33D022034C8}" type="parTrans" cxnId="{5E8EA27C-D043-4352-9040-9D7D39B81414}">
+    <dgm:pt modelId="{EAF9D53D-0A86-4294-A19C-D128E8FFADF4}" type="parTrans" cxnId="{6E4DEB54-13D3-4417-96F3-793AA09F268A}">
       <dgm:prSet/>
       <dgm:spPr/>
       <dgm:t>
@@ -900,7 +894,7 @@
         </a:p>
       </dgm:t>
     </dgm:pt>
-    <dgm:pt modelId="{9C492B70-651A-40C3-8690-2ECE26B4D9D8}" type="sibTrans" cxnId="{5E8EA27C-D043-4352-9040-9D7D39B81414}">
+    <dgm:pt modelId="{DD6606D0-1E39-4604-8377-C640C8F4191B}" type="sibTrans" cxnId="{6E4DEB54-13D3-4417-96F3-793AA09F268A}">
       <dgm:prSet/>
       <dgm:spPr/>
       <dgm:t>
@@ -911,30 +905,22 @@
         </a:p>
       </dgm:t>
     </dgm:pt>
-    <dgm:pt modelId="{73363E4F-2131-42DD-8D2A-1053BEBAEFF2}">
+    <dgm:pt modelId="{CC61998E-51E8-467B-B4EA-3D5D08DC68DA}">
       <dgm:prSet phldrT="[テキスト]" custT="1"/>
-      <dgm:spPr>
-        <a:ln>
-          <a:solidFill>
-            <a:schemeClr val="tx1">
-              <a:alpha val="90000"/>
-            </a:schemeClr>
-          </a:solidFill>
-        </a:ln>
-      </dgm:spPr>
+      <dgm:spPr/>
       <dgm:t>
         <a:bodyPr/>
         <a:lstStyle/>
         <a:p>
           <a:r>
-            <a:rPr kumimoji="1" lang="ja-JP" altLang="en-US" sz="2000" dirty="0" smtClean="0"/>
-            <a:t>自機の移動</a:t>
+            <a:rPr kumimoji="1" lang="ja-JP" altLang="en-US" sz="2800" b="1" dirty="0" smtClean="0"/>
+            <a:t>②矢印</a:t>
           </a:r>
-          <a:endParaRPr kumimoji="1" lang="ja-JP" altLang="en-US" sz="2000" dirty="0"/>
+          <a:endParaRPr kumimoji="1" lang="ja-JP" altLang="en-US" sz="2800" b="1" dirty="0"/>
         </a:p>
       </dgm:t>
     </dgm:pt>
-    <dgm:pt modelId="{02F54635-411C-4629-9DC1-E5D5E6AF3FF3}" type="parTrans" cxnId="{6944272E-066F-4909-9280-86D18631F02E}">
+    <dgm:pt modelId="{1F015C11-325A-40A1-B3EA-909A55AC5B1D}" type="parTrans" cxnId="{66277637-D10A-4286-9B91-B5D5D9768ECD}">
       <dgm:prSet/>
       <dgm:spPr/>
       <dgm:t>
@@ -945,7 +931,7 @@
         </a:p>
       </dgm:t>
     </dgm:pt>
-    <dgm:pt modelId="{09D7DBBB-7355-4282-BB01-9E669D6D8818}" type="sibTrans" cxnId="{6944272E-066F-4909-9280-86D18631F02E}">
+    <dgm:pt modelId="{094BEE28-829A-45FF-9B68-B67642857787}" type="sibTrans" cxnId="{66277637-D10A-4286-9B91-B5D5D9768ECD}">
       <dgm:prSet/>
       <dgm:spPr/>
       <dgm:t>
@@ -956,28 +942,22 @@
         </a:p>
       </dgm:t>
     </dgm:pt>
-    <dgm:pt modelId="{4859D877-3812-4463-B233-1921A3386621}">
+    <dgm:pt modelId="{BCC37322-4F5E-4C1A-83E7-405D449C4AC3}">
       <dgm:prSet phldrT="[テキスト]" custT="1"/>
-      <dgm:spPr>
-        <a:ln>
-          <a:solidFill>
-            <a:schemeClr val="tx1"/>
-          </a:solidFill>
-        </a:ln>
-      </dgm:spPr>
+      <dgm:spPr/>
       <dgm:t>
         <a:bodyPr/>
         <a:lstStyle/>
         <a:p>
           <a:r>
             <a:rPr kumimoji="1" lang="ja-JP" altLang="en-US" sz="2800" b="1" dirty="0" smtClean="0"/>
-            <a:t>②スキルボタン</a:t>
+            <a:t>③スキルボタン</a:t>
           </a:r>
           <a:endParaRPr kumimoji="1" lang="ja-JP" altLang="en-US" sz="2800" b="1" dirty="0"/>
         </a:p>
       </dgm:t>
     </dgm:pt>
-    <dgm:pt modelId="{0C026E84-6178-46C9-9102-3A0695E45E9C}" type="parTrans" cxnId="{9CDA2631-30ED-44BC-A587-F7FCD5153F7C}">
+    <dgm:pt modelId="{6362B408-3E9D-4387-B125-B1993C1CE19F}" type="parTrans" cxnId="{4137EE4A-9E93-4918-BB4F-2E3C1E910EC8}">
       <dgm:prSet/>
       <dgm:spPr/>
       <dgm:t>
@@ -988,7 +968,7 @@
         </a:p>
       </dgm:t>
     </dgm:pt>
-    <dgm:pt modelId="{9F343736-B1C2-4B25-BE89-3FC1882687A3}" type="sibTrans" cxnId="{9CDA2631-30ED-44BC-A587-F7FCD5153F7C}">
+    <dgm:pt modelId="{176A59AA-C0AB-4745-811D-87E72A2C03F9}" type="sibTrans" cxnId="{4137EE4A-9E93-4918-BB4F-2E3C1E910EC8}">
       <dgm:prSet/>
       <dgm:spPr/>
       <dgm:t>
@@ -999,30 +979,22 @@
         </a:p>
       </dgm:t>
     </dgm:pt>
-    <dgm:pt modelId="{BA7F300D-C1D8-4064-A0EB-28A81E7C7354}">
+    <dgm:pt modelId="{A5CCCA59-B7C0-4672-8102-9A0D58F3DA3B}">
       <dgm:prSet phldrT="[テキスト]" custT="1"/>
-      <dgm:spPr>
-        <a:ln>
-          <a:solidFill>
-            <a:schemeClr val="tx1">
-              <a:alpha val="90000"/>
-            </a:schemeClr>
-          </a:solidFill>
-        </a:ln>
-      </dgm:spPr>
+      <dgm:spPr/>
       <dgm:t>
         <a:bodyPr/>
         <a:lstStyle/>
         <a:p>
           <a:r>
-            <a:rPr kumimoji="1" lang="ja-JP" altLang="en-US" sz="2000" dirty="0" smtClean="0"/>
+            <a:rPr kumimoji="1" lang="ja-JP" altLang="en-US" sz="1800" b="1" dirty="0" smtClean="0"/>
             <a:t>タッチでスキル発動</a:t>
           </a:r>
-          <a:endParaRPr kumimoji="1" lang="ja-JP" altLang="en-US" sz="2000" dirty="0"/>
+          <a:endParaRPr kumimoji="1" lang="ja-JP" altLang="en-US" sz="1800" b="1" dirty="0"/>
         </a:p>
       </dgm:t>
     </dgm:pt>
-    <dgm:pt modelId="{02318BB6-D56B-4914-8032-83B1E32529CC}" type="parTrans" cxnId="{BB0F7E80-87AD-4B1A-8E57-21E59A5F5F62}">
+    <dgm:pt modelId="{BDDCFC62-61D3-4453-859E-A2F26E40A13A}" type="parTrans" cxnId="{7576D0BE-CC31-4151-9C8C-A063F9ED69A0}">
       <dgm:prSet/>
       <dgm:spPr/>
       <dgm:t>
@@ -1033,7 +1005,7 @@
         </a:p>
       </dgm:t>
     </dgm:pt>
-    <dgm:pt modelId="{93B57AB5-4307-465E-BE9D-133BC98A64C5}" type="sibTrans" cxnId="{BB0F7E80-87AD-4B1A-8E57-21E59A5F5F62}">
+    <dgm:pt modelId="{E9F36EE1-22B4-4335-949B-743F96A7F67B}" type="sibTrans" cxnId="{7576D0BE-CC31-4151-9C8C-A063F9ED69A0}">
       <dgm:prSet/>
       <dgm:spPr/>
       <dgm:t>
@@ -1044,30 +1016,22 @@
         </a:p>
       </dgm:t>
     </dgm:pt>
-    <dgm:pt modelId="{56287E23-DE84-4871-9570-5C99C97DBAC0}">
+    <dgm:pt modelId="{B43B1390-A934-41E2-991E-6400CB4B9D17}">
       <dgm:prSet phldrT="[テキスト]" custT="1"/>
-      <dgm:spPr>
-        <a:ln>
-          <a:solidFill>
-            <a:schemeClr val="tx1">
-              <a:alpha val="90000"/>
-            </a:schemeClr>
-          </a:solidFill>
-        </a:ln>
-      </dgm:spPr>
+      <dgm:spPr/>
       <dgm:t>
         <a:bodyPr/>
         <a:lstStyle/>
         <a:p>
           <a:r>
-            <a:rPr kumimoji="1" lang="ja-JP" altLang="en-US" sz="2000" dirty="0" smtClean="0"/>
+            <a:rPr kumimoji="1" lang="ja-JP" altLang="en-US" sz="1800" b="1" dirty="0" smtClean="0"/>
             <a:t>クールタイム後再発可能</a:t>
           </a:r>
-          <a:endParaRPr kumimoji="1" lang="ja-JP" altLang="en-US" sz="2000" dirty="0"/>
+          <a:endParaRPr kumimoji="1" lang="ja-JP" altLang="en-US" sz="1800" b="1" dirty="0"/>
         </a:p>
       </dgm:t>
     </dgm:pt>
-    <dgm:pt modelId="{AA0D90AD-136B-40F7-9086-845380B92A50}" type="parTrans" cxnId="{54E923C5-FE62-4E5E-8CCD-57F29CD3B720}">
+    <dgm:pt modelId="{ACE79202-4D53-475B-B1EC-486E8E0518C0}" type="parTrans" cxnId="{B1D531D7-392D-4106-A82F-90EBFFB1FB19}">
       <dgm:prSet/>
       <dgm:spPr/>
       <dgm:t>
@@ -1078,7 +1042,7 @@
         </a:p>
       </dgm:t>
     </dgm:pt>
-    <dgm:pt modelId="{1C291E09-8E2E-4CDF-8CAD-318E9A139587}" type="sibTrans" cxnId="{54E923C5-FE62-4E5E-8CCD-57F29CD3B720}">
+    <dgm:pt modelId="{A7E55865-4F55-4519-A73B-CBFED71E4039}" type="sibTrans" cxnId="{B1D531D7-392D-4106-A82F-90EBFFB1FB19}">
       <dgm:prSet/>
       <dgm:spPr/>
       <dgm:t>
@@ -1089,28 +1053,22 @@
         </a:p>
       </dgm:t>
     </dgm:pt>
-    <dgm:pt modelId="{57BC8C94-5D91-46AF-A246-E5E119B375C2}">
+    <dgm:pt modelId="{73B6B15B-2F54-4A9A-AD78-6FFA16D0DB9A}">
       <dgm:prSet phldrT="[テキスト]" custT="1"/>
-      <dgm:spPr>
-        <a:ln>
-          <a:solidFill>
-            <a:schemeClr val="tx1"/>
-          </a:solidFill>
-        </a:ln>
-      </dgm:spPr>
+      <dgm:spPr/>
       <dgm:t>
         <a:bodyPr/>
         <a:lstStyle/>
         <a:p>
           <a:r>
-            <a:rPr kumimoji="1" lang="ja-JP" altLang="en-US" sz="2800" b="1" dirty="0" smtClean="0"/>
-            <a:t>③矢印</a:t>
+            <a:rPr kumimoji="1" lang="ja-JP" altLang="en-US" sz="1800" b="1" dirty="0" smtClean="0"/>
+            <a:t>自機の移動</a:t>
           </a:r>
-          <a:endParaRPr kumimoji="1" lang="ja-JP" altLang="en-US" sz="2800" b="1" dirty="0"/>
+          <a:endParaRPr kumimoji="1" lang="ja-JP" altLang="en-US" sz="1800" b="1" dirty="0"/>
         </a:p>
       </dgm:t>
     </dgm:pt>
-    <dgm:pt modelId="{D0E2D3AF-3D18-4BBF-B056-C11FF8E326A0}" type="parTrans" cxnId="{14982696-9E4D-46BB-A9F9-FEB0FE012C32}">
+    <dgm:pt modelId="{3398904D-33CA-41CF-949D-AEC940A88D26}" type="parTrans" cxnId="{4D02B15F-CC7E-4215-A7B9-FEED35A1630C}">
       <dgm:prSet/>
       <dgm:spPr/>
       <dgm:t>
@@ -1121,7 +1079,7 @@
         </a:p>
       </dgm:t>
     </dgm:pt>
-    <dgm:pt modelId="{75DC9B4E-A46A-4B5E-BCC8-FCC3F66E6304}" type="sibTrans" cxnId="{14982696-9E4D-46BB-A9F9-FEB0FE012C32}">
+    <dgm:pt modelId="{33872345-AEE9-4D56-91A8-222325514890}" type="sibTrans" cxnId="{4D02B15F-CC7E-4215-A7B9-FEED35A1630C}">
       <dgm:prSet/>
       <dgm:spPr/>
       <dgm:t>
@@ -1132,30 +1090,22 @@
         </a:p>
       </dgm:t>
     </dgm:pt>
-    <dgm:pt modelId="{8C66DFAD-9987-4E71-B8A8-887495DCA29D}">
+    <dgm:pt modelId="{E5F5DF6C-4D81-410A-B035-5AF33FFFD8DE}">
       <dgm:prSet phldrT="[テキスト]" custT="1"/>
-      <dgm:spPr>
-        <a:ln>
-          <a:solidFill>
-            <a:schemeClr val="tx1">
-              <a:alpha val="90000"/>
-            </a:schemeClr>
-          </a:solidFill>
-        </a:ln>
-      </dgm:spPr>
+      <dgm:spPr/>
       <dgm:t>
         <a:bodyPr/>
         <a:lstStyle/>
         <a:p>
           <a:r>
-            <a:rPr kumimoji="1" lang="ja-JP" altLang="en-US" sz="2000" dirty="0" smtClean="0"/>
+            <a:rPr kumimoji="1" lang="ja-JP" altLang="en-US" sz="1800" b="1" dirty="0" smtClean="0"/>
             <a:t>ボスの居る方向を示す</a:t>
           </a:r>
-          <a:endParaRPr kumimoji="1" lang="ja-JP" altLang="en-US" sz="2000" dirty="0"/>
+          <a:endParaRPr kumimoji="1" lang="ja-JP" altLang="en-US" sz="1800" b="1" dirty="0"/>
         </a:p>
       </dgm:t>
     </dgm:pt>
-    <dgm:pt modelId="{10864463-9CC3-4504-AD24-6C2D59DDE0CE}" type="parTrans" cxnId="{4335B672-7A59-4C14-9435-681F7D21A12B}">
+    <dgm:pt modelId="{57CE0693-166D-483D-B96D-4EE3A0D8BC8C}" type="parTrans" cxnId="{C9B1C77D-5DF1-4387-9AA7-46A3726701A7}">
       <dgm:prSet/>
       <dgm:spPr/>
       <dgm:t>
@@ -1166,7 +1116,7 @@
         </a:p>
       </dgm:t>
     </dgm:pt>
-    <dgm:pt modelId="{636E9275-6914-4630-839B-A7E177702E00}" type="sibTrans" cxnId="{4335B672-7A59-4C14-9435-681F7D21A12B}">
+    <dgm:pt modelId="{83686B22-5DA6-404A-8242-1272C5068545}" type="sibTrans" cxnId="{C9B1C77D-5DF1-4387-9AA7-46A3726701A7}">
       <dgm:prSet/>
       <dgm:spPr/>
       <dgm:t>
@@ -1177,8 +1127,8 @@
         </a:p>
       </dgm:t>
     </dgm:pt>
-    <dgm:pt modelId="{0E184382-4FDA-47CF-BC1D-65F3C181616F}" type="pres">
-      <dgm:prSet presAssocID="{803E64A3-4BFD-4B60-8002-D664EEB936DB}" presName="Name0" presStyleCnt="0">
+    <dgm:pt modelId="{1BA96CA6-32E8-48C7-9B3B-24636929EE0F}" type="pres">
+      <dgm:prSet presAssocID="{EB8C3C1B-75D6-45A1-9E8C-A5C13FED6FD8}" presName="Name0" presStyleCnt="0">
         <dgm:presLayoutVars>
           <dgm:dir/>
           <dgm:animLvl val="lvl"/>
@@ -1186,20 +1136,13 @@
         </dgm:presLayoutVars>
       </dgm:prSet>
       <dgm:spPr/>
-      <dgm:t>
-        <a:bodyPr/>
-        <a:lstStyle/>
-        <a:p>
-          <a:endParaRPr kumimoji="1" lang="ja-JP" altLang="en-US"/>
-        </a:p>
-      </dgm:t>
     </dgm:pt>
-    <dgm:pt modelId="{6DF3DEAE-2E49-4A40-9A22-A67C39560F33}" type="pres">
-      <dgm:prSet presAssocID="{630AACC9-A2F2-4F29-B5DC-7521413C1EC5}" presName="composite" presStyleCnt="0"/>
+    <dgm:pt modelId="{81634E33-80A5-4E12-BB40-9E69161512C9}" type="pres">
+      <dgm:prSet presAssocID="{C22B3DDF-9EE2-4099-87FE-6DC0C5138D86}" presName="composite" presStyleCnt="0"/>
       <dgm:spPr/>
     </dgm:pt>
-    <dgm:pt modelId="{D4E009D2-E441-4A3E-8E3D-A1FB49A282F4}" type="pres">
-      <dgm:prSet presAssocID="{630AACC9-A2F2-4F29-B5DC-7521413C1EC5}" presName="parTx" presStyleLbl="alignNode1" presStyleIdx="0" presStyleCnt="3">
+    <dgm:pt modelId="{C4CAFCEE-7294-472D-B440-9472EC0FC3ED}" type="pres">
+      <dgm:prSet presAssocID="{C22B3DDF-9EE2-4099-87FE-6DC0C5138D86}" presName="parTx" presStyleLbl="alignNode1" presStyleIdx="0" presStyleCnt="3">
         <dgm:presLayoutVars>
           <dgm:chMax val="0"/>
           <dgm:chPref val="0"/>
@@ -1207,16 +1150,9 @@
         </dgm:presLayoutVars>
       </dgm:prSet>
       <dgm:spPr/>
-      <dgm:t>
-        <a:bodyPr/>
-        <a:lstStyle/>
-        <a:p>
-          <a:endParaRPr kumimoji="1" lang="ja-JP" altLang="en-US"/>
-        </a:p>
-      </dgm:t>
     </dgm:pt>
-    <dgm:pt modelId="{5D1381A1-37BC-4423-8EB1-2D8BB6608E68}" type="pres">
-      <dgm:prSet presAssocID="{630AACC9-A2F2-4F29-B5DC-7521413C1EC5}" presName="desTx" presStyleLbl="alignAccFollowNode1" presStyleIdx="0" presStyleCnt="3">
+    <dgm:pt modelId="{3F1D0AE2-7C7E-4C64-A542-DDDDA650DE8E}" type="pres">
+      <dgm:prSet presAssocID="{C22B3DDF-9EE2-4099-87FE-6DC0C5138D86}" presName="desTx" presStyleLbl="alignAccFollowNode1" presStyleIdx="0" presStyleCnt="3">
         <dgm:presLayoutVars>
           <dgm:bulletEnabled val="1"/>
         </dgm:presLayoutVars>
@@ -1230,16 +1166,16 @@
         </a:p>
       </dgm:t>
     </dgm:pt>
-    <dgm:pt modelId="{67A9F79A-3CB5-420E-9018-72CCBEC59D09}" type="pres">
-      <dgm:prSet presAssocID="{9C492B70-651A-40C3-8690-2ECE26B4D9D8}" presName="space" presStyleCnt="0"/>
+    <dgm:pt modelId="{BEB2F7C5-E344-4E51-A8D6-BEB5A6A449AC}" type="pres">
+      <dgm:prSet presAssocID="{DD6606D0-1E39-4604-8377-C640C8F4191B}" presName="space" presStyleCnt="0"/>
       <dgm:spPr/>
     </dgm:pt>
-    <dgm:pt modelId="{773C9F7A-F9E4-44EC-95B5-F340FE8475C4}" type="pres">
-      <dgm:prSet presAssocID="{4859D877-3812-4463-B233-1921A3386621}" presName="composite" presStyleCnt="0"/>
+    <dgm:pt modelId="{74B71EFB-4305-46AA-8376-368D171A43D4}" type="pres">
+      <dgm:prSet presAssocID="{CC61998E-51E8-467B-B4EA-3D5D08DC68DA}" presName="composite" presStyleCnt="0"/>
       <dgm:spPr/>
     </dgm:pt>
-    <dgm:pt modelId="{B37A1543-2AA9-4EB5-8860-E8ADD0EC40EE}" type="pres">
-      <dgm:prSet presAssocID="{4859D877-3812-4463-B233-1921A3386621}" presName="parTx" presStyleLbl="alignNode1" presStyleIdx="1" presStyleCnt="3" custScaleX="112003" custScaleY="100000">
+    <dgm:pt modelId="{8F59895A-925A-4024-93CF-11E41EBBA818}" type="pres">
+      <dgm:prSet presAssocID="{CC61998E-51E8-467B-B4EA-3D5D08DC68DA}" presName="parTx" presStyleLbl="alignNode1" presStyleIdx="1" presStyleCnt="3">
         <dgm:presLayoutVars>
           <dgm:chMax val="0"/>
           <dgm:chPref val="0"/>
@@ -1247,16 +1183,9 @@
         </dgm:presLayoutVars>
       </dgm:prSet>
       <dgm:spPr/>
-      <dgm:t>
-        <a:bodyPr/>
-        <a:lstStyle/>
-        <a:p>
-          <a:endParaRPr kumimoji="1" lang="ja-JP" altLang="en-US"/>
-        </a:p>
-      </dgm:t>
     </dgm:pt>
-    <dgm:pt modelId="{D696E469-B4D3-4E8D-BF9C-7B5EAFB6DBD7}" type="pres">
-      <dgm:prSet presAssocID="{4859D877-3812-4463-B233-1921A3386621}" presName="desTx" presStyleLbl="alignAccFollowNode1" presStyleIdx="1" presStyleCnt="3" custScaleX="112003" custScaleY="98905">
+    <dgm:pt modelId="{7760CA20-0D12-41AD-BEB6-137CD4507238}" type="pres">
+      <dgm:prSet presAssocID="{CC61998E-51E8-467B-B4EA-3D5D08DC68DA}" presName="desTx" presStyleLbl="alignAccFollowNode1" presStyleIdx="1" presStyleCnt="3">
         <dgm:presLayoutVars>
           <dgm:bulletEnabled val="1"/>
         </dgm:presLayoutVars>
@@ -1270,16 +1199,16 @@
         </a:p>
       </dgm:t>
     </dgm:pt>
-    <dgm:pt modelId="{6D9B4E85-65EA-42A7-B99F-E021D03E0717}" type="pres">
-      <dgm:prSet presAssocID="{9F343736-B1C2-4B25-BE89-3FC1882687A3}" presName="space" presStyleCnt="0"/>
+    <dgm:pt modelId="{81E6A4CF-5370-4A87-AF0E-B3A545AD5BED}" type="pres">
+      <dgm:prSet presAssocID="{094BEE28-829A-45FF-9B68-B67642857787}" presName="space" presStyleCnt="0"/>
       <dgm:spPr/>
     </dgm:pt>
-    <dgm:pt modelId="{8C7666DE-272F-4FFB-A264-924C61A2D06D}" type="pres">
-      <dgm:prSet presAssocID="{57BC8C94-5D91-46AF-A246-E5E119B375C2}" presName="composite" presStyleCnt="0"/>
+    <dgm:pt modelId="{9C562771-6519-489D-B26C-784A42D720BB}" type="pres">
+      <dgm:prSet presAssocID="{BCC37322-4F5E-4C1A-83E7-405D449C4AC3}" presName="composite" presStyleCnt="0"/>
       <dgm:spPr/>
     </dgm:pt>
-    <dgm:pt modelId="{7BE5BF35-28BB-42CF-9BA1-01D3B6CFA5C8}" type="pres">
-      <dgm:prSet presAssocID="{57BC8C94-5D91-46AF-A246-E5E119B375C2}" presName="parTx" presStyleLbl="alignNode1" presStyleIdx="2" presStyleCnt="3">
+    <dgm:pt modelId="{5C2D9F85-946A-405C-96B3-FB8C6870C7DA}" type="pres">
+      <dgm:prSet presAssocID="{BCC37322-4F5E-4C1A-83E7-405D449C4AC3}" presName="parTx" presStyleLbl="alignNode1" presStyleIdx="2" presStyleCnt="3">
         <dgm:presLayoutVars>
           <dgm:chMax val="0"/>
           <dgm:chPref val="0"/>
@@ -1287,63 +1216,49 @@
         </dgm:presLayoutVars>
       </dgm:prSet>
       <dgm:spPr/>
-      <dgm:t>
-        <a:bodyPr/>
-        <a:lstStyle/>
-        <a:p>
-          <a:endParaRPr kumimoji="1" lang="ja-JP" altLang="en-US"/>
-        </a:p>
-      </dgm:t>
     </dgm:pt>
-    <dgm:pt modelId="{EA0B6686-BA98-41A6-B1FA-AC4BC4C909D3}" type="pres">
-      <dgm:prSet presAssocID="{57BC8C94-5D91-46AF-A246-E5E119B375C2}" presName="desTx" presStyleLbl="alignAccFollowNode1" presStyleIdx="2" presStyleCnt="3">
+    <dgm:pt modelId="{B2715A92-5643-4DE6-8E96-F0A1617595CC}" type="pres">
+      <dgm:prSet presAssocID="{BCC37322-4F5E-4C1A-83E7-405D449C4AC3}" presName="desTx" presStyleLbl="alignAccFollowNode1" presStyleIdx="2" presStyleCnt="3">
         <dgm:presLayoutVars>
           <dgm:bulletEnabled val="1"/>
         </dgm:presLayoutVars>
       </dgm:prSet>
       <dgm:spPr/>
-      <dgm:t>
-        <a:bodyPr/>
-        <a:lstStyle/>
-        <a:p>
-          <a:endParaRPr kumimoji="1" lang="ja-JP" altLang="en-US"/>
-        </a:p>
-      </dgm:t>
     </dgm:pt>
   </dgm:ptLst>
   <dgm:cxnLst>
-    <dgm:cxn modelId="{54E923C5-FE62-4E5E-8CCD-57F29CD3B720}" srcId="{4859D877-3812-4463-B233-1921A3386621}" destId="{56287E23-DE84-4871-9570-5C99C97DBAC0}" srcOrd="1" destOrd="0" parTransId="{AA0D90AD-136B-40F7-9086-845380B92A50}" sibTransId="{1C291E09-8E2E-4CDF-8CAD-318E9A139587}"/>
-    <dgm:cxn modelId="{A79AD141-900C-4D68-8524-73E3DDC9AD0A}" type="presOf" srcId="{803E64A3-4BFD-4B60-8002-D664EEB936DB}" destId="{0E184382-4FDA-47CF-BC1D-65F3C181616F}" srcOrd="0" destOrd="0" presId="urn:microsoft.com/office/officeart/2005/8/layout/hList1"/>
-    <dgm:cxn modelId="{6944272E-066F-4909-9280-86D18631F02E}" srcId="{630AACC9-A2F2-4F29-B5DC-7521413C1EC5}" destId="{73363E4F-2131-42DD-8D2A-1053BEBAEFF2}" srcOrd="0" destOrd="0" parTransId="{02F54635-411C-4629-9DC1-E5D5E6AF3FF3}" sibTransId="{09D7DBBB-7355-4282-BB01-9E669D6D8818}"/>
-    <dgm:cxn modelId="{D9CEE1CC-8776-4247-AAE4-894D3ABB0EE6}" type="presOf" srcId="{73363E4F-2131-42DD-8D2A-1053BEBAEFF2}" destId="{5D1381A1-37BC-4423-8EB1-2D8BB6608E68}" srcOrd="0" destOrd="0" presId="urn:microsoft.com/office/officeart/2005/8/layout/hList1"/>
-    <dgm:cxn modelId="{5E8EA27C-D043-4352-9040-9D7D39B81414}" srcId="{803E64A3-4BFD-4B60-8002-D664EEB936DB}" destId="{630AACC9-A2F2-4F29-B5DC-7521413C1EC5}" srcOrd="0" destOrd="0" parTransId="{FF1D4831-B486-4537-82F1-C33D022034C8}" sibTransId="{9C492B70-651A-40C3-8690-2ECE26B4D9D8}"/>
-    <dgm:cxn modelId="{14982696-9E4D-46BB-A9F9-FEB0FE012C32}" srcId="{803E64A3-4BFD-4B60-8002-D664EEB936DB}" destId="{57BC8C94-5D91-46AF-A246-E5E119B375C2}" srcOrd="2" destOrd="0" parTransId="{D0E2D3AF-3D18-4BBF-B056-C11FF8E326A0}" sibTransId="{75DC9B4E-A46A-4B5E-BCC8-FCC3F66E6304}"/>
-    <dgm:cxn modelId="{50BF58E7-11D1-4D63-9526-90C184C41118}" type="presOf" srcId="{630AACC9-A2F2-4F29-B5DC-7521413C1EC5}" destId="{D4E009D2-E441-4A3E-8E3D-A1FB49A282F4}" srcOrd="0" destOrd="0" presId="urn:microsoft.com/office/officeart/2005/8/layout/hList1"/>
-    <dgm:cxn modelId="{2A4FA4B9-128A-4238-B5EF-DF0C22A2AFAE}" type="presOf" srcId="{57BC8C94-5D91-46AF-A246-E5E119B375C2}" destId="{7BE5BF35-28BB-42CF-9BA1-01D3B6CFA5C8}" srcOrd="0" destOrd="0" presId="urn:microsoft.com/office/officeart/2005/8/layout/hList1"/>
-    <dgm:cxn modelId="{193F5DC3-133B-4001-BE34-369B2B9E9688}" type="presOf" srcId="{BA7F300D-C1D8-4064-A0EB-28A81E7C7354}" destId="{D696E469-B4D3-4E8D-BF9C-7B5EAFB6DBD7}" srcOrd="0" destOrd="0" presId="urn:microsoft.com/office/officeart/2005/8/layout/hList1"/>
-    <dgm:cxn modelId="{9CDA2631-30ED-44BC-A587-F7FCD5153F7C}" srcId="{803E64A3-4BFD-4B60-8002-D664EEB936DB}" destId="{4859D877-3812-4463-B233-1921A3386621}" srcOrd="1" destOrd="0" parTransId="{0C026E84-6178-46C9-9102-3A0695E45E9C}" sibTransId="{9F343736-B1C2-4B25-BE89-3FC1882687A3}"/>
-    <dgm:cxn modelId="{018CBC17-1B5C-4780-8AAC-D4EA8488C67C}" type="presOf" srcId="{8C66DFAD-9987-4E71-B8A8-887495DCA29D}" destId="{EA0B6686-BA98-41A6-B1FA-AC4BC4C909D3}" srcOrd="0" destOrd="0" presId="urn:microsoft.com/office/officeart/2005/8/layout/hList1"/>
-    <dgm:cxn modelId="{4335B672-7A59-4C14-9435-681F7D21A12B}" srcId="{57BC8C94-5D91-46AF-A246-E5E119B375C2}" destId="{8C66DFAD-9987-4E71-B8A8-887495DCA29D}" srcOrd="0" destOrd="0" parTransId="{10864463-9CC3-4504-AD24-6C2D59DDE0CE}" sibTransId="{636E9275-6914-4630-839B-A7E177702E00}"/>
-    <dgm:cxn modelId="{BF4B2BB6-1AAF-450D-9A0C-F25C9AAD2F8D}" type="presOf" srcId="{4859D877-3812-4463-B233-1921A3386621}" destId="{B37A1543-2AA9-4EB5-8860-E8ADD0EC40EE}" srcOrd="0" destOrd="0" presId="urn:microsoft.com/office/officeart/2005/8/layout/hList1"/>
-    <dgm:cxn modelId="{CE2FD6F0-4880-4206-871E-9D5ABA4EF0E4}" type="presOf" srcId="{56287E23-DE84-4871-9570-5C99C97DBAC0}" destId="{D696E469-B4D3-4E8D-BF9C-7B5EAFB6DBD7}" srcOrd="0" destOrd="1" presId="urn:microsoft.com/office/officeart/2005/8/layout/hList1"/>
-    <dgm:cxn modelId="{BB0F7E80-87AD-4B1A-8E57-21E59A5F5F62}" srcId="{4859D877-3812-4463-B233-1921A3386621}" destId="{BA7F300D-C1D8-4064-A0EB-28A81E7C7354}" srcOrd="0" destOrd="0" parTransId="{02318BB6-D56B-4914-8032-83B1E32529CC}" sibTransId="{93B57AB5-4307-465E-BE9D-133BC98A64C5}"/>
-    <dgm:cxn modelId="{4508890A-0721-49E1-9424-8D4022D79349}" type="presParOf" srcId="{0E184382-4FDA-47CF-BC1D-65F3C181616F}" destId="{6DF3DEAE-2E49-4A40-9A22-A67C39560F33}" srcOrd="0" destOrd="0" presId="urn:microsoft.com/office/officeart/2005/8/layout/hList1"/>
-    <dgm:cxn modelId="{4EC745BD-0677-4EA3-8DF2-E668E5DB462E}" type="presParOf" srcId="{6DF3DEAE-2E49-4A40-9A22-A67C39560F33}" destId="{D4E009D2-E441-4A3E-8E3D-A1FB49A282F4}" srcOrd="0" destOrd="0" presId="urn:microsoft.com/office/officeart/2005/8/layout/hList1"/>
-    <dgm:cxn modelId="{19DE8846-F1B2-4574-9BB7-F104A25678AF}" type="presParOf" srcId="{6DF3DEAE-2E49-4A40-9A22-A67C39560F33}" destId="{5D1381A1-37BC-4423-8EB1-2D8BB6608E68}" srcOrd="1" destOrd="0" presId="urn:microsoft.com/office/officeart/2005/8/layout/hList1"/>
-    <dgm:cxn modelId="{354C678D-F36F-4540-A72F-44230F3782F4}" type="presParOf" srcId="{0E184382-4FDA-47CF-BC1D-65F3C181616F}" destId="{67A9F79A-3CB5-420E-9018-72CCBEC59D09}" srcOrd="1" destOrd="0" presId="urn:microsoft.com/office/officeart/2005/8/layout/hList1"/>
-    <dgm:cxn modelId="{A947F320-B3EF-4076-9EED-2DDDC81B280C}" type="presParOf" srcId="{0E184382-4FDA-47CF-BC1D-65F3C181616F}" destId="{773C9F7A-F9E4-44EC-95B5-F340FE8475C4}" srcOrd="2" destOrd="0" presId="urn:microsoft.com/office/officeart/2005/8/layout/hList1"/>
-    <dgm:cxn modelId="{2D0BB6C9-0775-4C8C-ADDC-839F9449D4F9}" type="presParOf" srcId="{773C9F7A-F9E4-44EC-95B5-F340FE8475C4}" destId="{B37A1543-2AA9-4EB5-8860-E8ADD0EC40EE}" srcOrd="0" destOrd="0" presId="urn:microsoft.com/office/officeart/2005/8/layout/hList1"/>
-    <dgm:cxn modelId="{3A10BE78-7D38-43A7-9F82-09A57D27A05D}" type="presParOf" srcId="{773C9F7A-F9E4-44EC-95B5-F340FE8475C4}" destId="{D696E469-B4D3-4E8D-BF9C-7B5EAFB6DBD7}" srcOrd="1" destOrd="0" presId="urn:microsoft.com/office/officeart/2005/8/layout/hList1"/>
-    <dgm:cxn modelId="{66BEC480-ACBA-4A3B-947A-21627938CBA8}" type="presParOf" srcId="{0E184382-4FDA-47CF-BC1D-65F3C181616F}" destId="{6D9B4E85-65EA-42A7-B99F-E021D03E0717}" srcOrd="3" destOrd="0" presId="urn:microsoft.com/office/officeart/2005/8/layout/hList1"/>
-    <dgm:cxn modelId="{E429ACD1-CF17-468B-B8F2-B1C21B604AB7}" type="presParOf" srcId="{0E184382-4FDA-47CF-BC1D-65F3C181616F}" destId="{8C7666DE-272F-4FFB-A264-924C61A2D06D}" srcOrd="4" destOrd="0" presId="urn:microsoft.com/office/officeart/2005/8/layout/hList1"/>
-    <dgm:cxn modelId="{831A97F9-6242-4592-A315-08C0DE9A808F}" type="presParOf" srcId="{8C7666DE-272F-4FFB-A264-924C61A2D06D}" destId="{7BE5BF35-28BB-42CF-9BA1-01D3B6CFA5C8}" srcOrd="0" destOrd="0" presId="urn:microsoft.com/office/officeart/2005/8/layout/hList1"/>
-    <dgm:cxn modelId="{F0E13DB8-DA9D-43CD-AACE-CF774AEBAC50}" type="presParOf" srcId="{8C7666DE-272F-4FFB-A264-924C61A2D06D}" destId="{EA0B6686-BA98-41A6-B1FA-AC4BC4C909D3}" srcOrd="1" destOrd="0" presId="urn:microsoft.com/office/officeart/2005/8/layout/hList1"/>
+    <dgm:cxn modelId="{D5D2A9BC-F27F-49F8-B508-CE8FEB03E958}" type="presOf" srcId="{B43B1390-A934-41E2-991E-6400CB4B9D17}" destId="{B2715A92-5643-4DE6-8E96-F0A1617595CC}" srcOrd="0" destOrd="1" presId="urn:microsoft.com/office/officeart/2005/8/layout/hList1"/>
+    <dgm:cxn modelId="{05BCA30C-9A30-48CB-B934-3A4D5BB75797}" type="presOf" srcId="{A5CCCA59-B7C0-4672-8102-9A0D58F3DA3B}" destId="{B2715A92-5643-4DE6-8E96-F0A1617595CC}" srcOrd="0" destOrd="0" presId="urn:microsoft.com/office/officeart/2005/8/layout/hList1"/>
+    <dgm:cxn modelId="{0C8B13D7-D14C-4154-93EA-92D82CF8667A}" type="presOf" srcId="{CC61998E-51E8-467B-B4EA-3D5D08DC68DA}" destId="{8F59895A-925A-4024-93CF-11E41EBBA818}" srcOrd="0" destOrd="0" presId="urn:microsoft.com/office/officeart/2005/8/layout/hList1"/>
+    <dgm:cxn modelId="{B1D531D7-392D-4106-A82F-90EBFFB1FB19}" srcId="{BCC37322-4F5E-4C1A-83E7-405D449C4AC3}" destId="{B43B1390-A934-41E2-991E-6400CB4B9D17}" srcOrd="1" destOrd="0" parTransId="{ACE79202-4D53-475B-B1EC-486E8E0518C0}" sibTransId="{A7E55865-4F55-4519-A73B-CBFED71E4039}"/>
+    <dgm:cxn modelId="{4D02B15F-CC7E-4215-A7B9-FEED35A1630C}" srcId="{C22B3DDF-9EE2-4099-87FE-6DC0C5138D86}" destId="{73B6B15B-2F54-4A9A-AD78-6FFA16D0DB9A}" srcOrd="0" destOrd="0" parTransId="{3398904D-33CA-41CF-949D-AEC940A88D26}" sibTransId="{33872345-AEE9-4D56-91A8-222325514890}"/>
+    <dgm:cxn modelId="{2219CD6C-EA28-4FA1-837A-B08E3188F71D}" type="presOf" srcId="{BCC37322-4F5E-4C1A-83E7-405D449C4AC3}" destId="{5C2D9F85-946A-405C-96B3-FB8C6870C7DA}" srcOrd="0" destOrd="0" presId="urn:microsoft.com/office/officeart/2005/8/layout/hList1"/>
+    <dgm:cxn modelId="{7576D0BE-CC31-4151-9C8C-A063F9ED69A0}" srcId="{BCC37322-4F5E-4C1A-83E7-405D449C4AC3}" destId="{A5CCCA59-B7C0-4672-8102-9A0D58F3DA3B}" srcOrd="0" destOrd="0" parTransId="{BDDCFC62-61D3-4453-859E-A2F26E40A13A}" sibTransId="{E9F36EE1-22B4-4335-949B-743F96A7F67B}"/>
+    <dgm:cxn modelId="{C9B1C77D-5DF1-4387-9AA7-46A3726701A7}" srcId="{CC61998E-51E8-467B-B4EA-3D5D08DC68DA}" destId="{E5F5DF6C-4D81-410A-B035-5AF33FFFD8DE}" srcOrd="0" destOrd="0" parTransId="{57CE0693-166D-483D-B96D-4EE3A0D8BC8C}" sibTransId="{83686B22-5DA6-404A-8242-1272C5068545}"/>
+    <dgm:cxn modelId="{4137EE4A-9E93-4918-BB4F-2E3C1E910EC8}" srcId="{EB8C3C1B-75D6-45A1-9E8C-A5C13FED6FD8}" destId="{BCC37322-4F5E-4C1A-83E7-405D449C4AC3}" srcOrd="2" destOrd="0" parTransId="{6362B408-3E9D-4387-B125-B1993C1CE19F}" sibTransId="{176A59AA-C0AB-4745-811D-87E72A2C03F9}"/>
+    <dgm:cxn modelId="{6E4DEB54-13D3-4417-96F3-793AA09F268A}" srcId="{EB8C3C1B-75D6-45A1-9E8C-A5C13FED6FD8}" destId="{C22B3DDF-9EE2-4099-87FE-6DC0C5138D86}" srcOrd="0" destOrd="0" parTransId="{EAF9D53D-0A86-4294-A19C-D128E8FFADF4}" sibTransId="{DD6606D0-1E39-4604-8377-C640C8F4191B}"/>
+    <dgm:cxn modelId="{11D1D9FE-6DE7-4B1B-BC55-EB6873C3A98A}" type="presOf" srcId="{73B6B15B-2F54-4A9A-AD78-6FFA16D0DB9A}" destId="{3F1D0AE2-7C7E-4C64-A542-DDDDA650DE8E}" srcOrd="0" destOrd="0" presId="urn:microsoft.com/office/officeart/2005/8/layout/hList1"/>
+    <dgm:cxn modelId="{EE3E9A94-F6F5-4ABF-AA59-71A5C9F57BFE}" type="presOf" srcId="{EB8C3C1B-75D6-45A1-9E8C-A5C13FED6FD8}" destId="{1BA96CA6-32E8-48C7-9B3B-24636929EE0F}" srcOrd="0" destOrd="0" presId="urn:microsoft.com/office/officeart/2005/8/layout/hList1"/>
+    <dgm:cxn modelId="{E0E09241-63FE-44BD-B62D-10DF64F7B1BC}" type="presOf" srcId="{E5F5DF6C-4D81-410A-B035-5AF33FFFD8DE}" destId="{7760CA20-0D12-41AD-BEB6-137CD4507238}" srcOrd="0" destOrd="0" presId="urn:microsoft.com/office/officeart/2005/8/layout/hList1"/>
+    <dgm:cxn modelId="{9B1FAAC5-2EFA-4A3A-ABE9-3D0AC93E885D}" type="presOf" srcId="{C22B3DDF-9EE2-4099-87FE-6DC0C5138D86}" destId="{C4CAFCEE-7294-472D-B440-9472EC0FC3ED}" srcOrd="0" destOrd="0" presId="urn:microsoft.com/office/officeart/2005/8/layout/hList1"/>
+    <dgm:cxn modelId="{66277637-D10A-4286-9B91-B5D5D9768ECD}" srcId="{EB8C3C1B-75D6-45A1-9E8C-A5C13FED6FD8}" destId="{CC61998E-51E8-467B-B4EA-3D5D08DC68DA}" srcOrd="1" destOrd="0" parTransId="{1F015C11-325A-40A1-B3EA-909A55AC5B1D}" sibTransId="{094BEE28-829A-45FF-9B68-B67642857787}"/>
+    <dgm:cxn modelId="{DE24B769-1A4D-4F13-8F64-C09818D3F5F8}" type="presParOf" srcId="{1BA96CA6-32E8-48C7-9B3B-24636929EE0F}" destId="{81634E33-80A5-4E12-BB40-9E69161512C9}" srcOrd="0" destOrd="0" presId="urn:microsoft.com/office/officeart/2005/8/layout/hList1"/>
+    <dgm:cxn modelId="{BA2466F3-55B1-4D71-801C-4F9008B09DA9}" type="presParOf" srcId="{81634E33-80A5-4E12-BB40-9E69161512C9}" destId="{C4CAFCEE-7294-472D-B440-9472EC0FC3ED}" srcOrd="0" destOrd="0" presId="urn:microsoft.com/office/officeart/2005/8/layout/hList1"/>
+    <dgm:cxn modelId="{B0028E26-154F-4706-9016-591EF49B75C2}" type="presParOf" srcId="{81634E33-80A5-4E12-BB40-9E69161512C9}" destId="{3F1D0AE2-7C7E-4C64-A542-DDDDA650DE8E}" srcOrd="1" destOrd="0" presId="urn:microsoft.com/office/officeart/2005/8/layout/hList1"/>
+    <dgm:cxn modelId="{E72D1B1C-64C4-4027-A50F-937E6276A368}" type="presParOf" srcId="{1BA96CA6-32E8-48C7-9B3B-24636929EE0F}" destId="{BEB2F7C5-E344-4E51-A8D6-BEB5A6A449AC}" srcOrd="1" destOrd="0" presId="urn:microsoft.com/office/officeart/2005/8/layout/hList1"/>
+    <dgm:cxn modelId="{206BA06D-62F8-4250-95FC-FF8273D422B4}" type="presParOf" srcId="{1BA96CA6-32E8-48C7-9B3B-24636929EE0F}" destId="{74B71EFB-4305-46AA-8376-368D171A43D4}" srcOrd="2" destOrd="0" presId="urn:microsoft.com/office/officeart/2005/8/layout/hList1"/>
+    <dgm:cxn modelId="{62251FBE-CA91-455C-BD61-6BFCBD468D1B}" type="presParOf" srcId="{74B71EFB-4305-46AA-8376-368D171A43D4}" destId="{8F59895A-925A-4024-93CF-11E41EBBA818}" srcOrd="0" destOrd="0" presId="urn:microsoft.com/office/officeart/2005/8/layout/hList1"/>
+    <dgm:cxn modelId="{0F3C345B-7286-4494-821C-8BAE1417F30D}" type="presParOf" srcId="{74B71EFB-4305-46AA-8376-368D171A43D4}" destId="{7760CA20-0D12-41AD-BEB6-137CD4507238}" srcOrd="1" destOrd="0" presId="urn:microsoft.com/office/officeart/2005/8/layout/hList1"/>
+    <dgm:cxn modelId="{39034BA7-0E52-49EE-8032-8C5B2AD2BDCA}" type="presParOf" srcId="{1BA96CA6-32E8-48C7-9B3B-24636929EE0F}" destId="{81E6A4CF-5370-4A87-AF0E-B3A545AD5BED}" srcOrd="3" destOrd="0" presId="urn:microsoft.com/office/officeart/2005/8/layout/hList1"/>
+    <dgm:cxn modelId="{DC558DC7-6C32-4144-A097-2553F7087A73}" type="presParOf" srcId="{1BA96CA6-32E8-48C7-9B3B-24636929EE0F}" destId="{9C562771-6519-489D-B26C-784A42D720BB}" srcOrd="4" destOrd="0" presId="urn:microsoft.com/office/officeart/2005/8/layout/hList1"/>
+    <dgm:cxn modelId="{40342D1C-C4D8-4CA6-A624-E4534A342068}" type="presParOf" srcId="{9C562771-6519-489D-B26C-784A42D720BB}" destId="{5C2D9F85-946A-405C-96B3-FB8C6870C7DA}" srcOrd="0" destOrd="0" presId="urn:microsoft.com/office/officeart/2005/8/layout/hList1"/>
+    <dgm:cxn modelId="{2F07B3CE-4A3D-4289-88E4-DC25506FECE8}" type="presParOf" srcId="{9C562771-6519-489D-B26C-784A42D720BB}" destId="{B2715A92-5643-4DE6-8E96-F0A1617595CC}" srcOrd="1" destOrd="0" presId="urn:microsoft.com/office/officeart/2005/8/layout/hList1"/>
   </dgm:cxnLst>
   <dgm:bg/>
   <dgm:whole/>
   <dgm:extLst>
     <a:ext uri="http://schemas.microsoft.com/office/drawing/2008/diagram">
-      <dsp:dataModelExt xmlns:dsp="http://schemas.microsoft.com/office/drawing/2008/diagram" relId="rId6" minVer="http://schemas.openxmlformats.org/drawingml/2006/diagram"/>
+      <dsp:dataModelExt xmlns:dsp="http://schemas.microsoft.com/office/drawing/2008/diagram" relId="rId11" minVer="http://schemas.openxmlformats.org/drawingml/2006/diagram"/>
     </a:ext>
   </dgm:extLst>
 </dgm:dataModel>
@@ -1357,15 +1272,15 @@
       <dsp:cNvGrpSpPr/>
     </dsp:nvGrpSpPr>
     <dsp:grpSpPr/>
-    <dsp:sp modelId="{D4E009D2-E441-4A3E-8E3D-A1FB49A282F4}">
+    <dsp:sp modelId="{C4CAFCEE-7294-472D-B440-9472EC0FC3ED}">
       <dsp:nvSpPr>
         <dsp:cNvPr id="0" name=""/>
         <dsp:cNvSpPr/>
       </dsp:nvSpPr>
       <dsp:spPr>
         <a:xfrm>
-          <a:off x="10647" y="1734"/>
-          <a:ext cx="2830762" cy="670213"/>
+          <a:off x="3095" y="11866"/>
+          <a:ext cx="3018234" cy="720000"/>
         </a:xfrm>
         <a:prstGeom prst="rect">
           <a:avLst/>
@@ -1380,7 +1295,12 @@
         </a:solidFill>
         <a:ln w="25400" cap="flat" cmpd="sng" algn="ctr">
           <a:solidFill>
-            <a:schemeClr val="tx1"/>
+            <a:schemeClr val="accent1">
+              <a:hueOff val="0"/>
+              <a:satOff val="0"/>
+              <a:lumOff val="0"/>
+              <a:alphaOff val="0"/>
+            </a:schemeClr>
           </a:solidFill>
           <a:prstDash val="solid"/>
         </a:ln>
@@ -1425,19 +1345,19 @@
         </a:p>
       </dsp:txBody>
       <dsp:txXfrm>
-        <a:off x="10647" y="1734"/>
-        <a:ext cx="2830762" cy="670213"/>
+        <a:off x="3095" y="11866"/>
+        <a:ext cx="3018234" cy="720000"/>
       </dsp:txXfrm>
     </dsp:sp>
-    <dsp:sp modelId="{5D1381A1-37BC-4423-8EB1-2D8BB6608E68}">
+    <dsp:sp modelId="{3F1D0AE2-7C7E-4C64-A542-DDDDA650DE8E}">
       <dsp:nvSpPr>
         <dsp:cNvPr id="0" name=""/>
         <dsp:cNvSpPr/>
       </dsp:nvSpPr>
       <dsp:spPr>
         <a:xfrm>
-          <a:off x="10647" y="671947"/>
-          <a:ext cx="2830762" cy="1099134"/>
+          <a:off x="3095" y="731866"/>
+          <a:ext cx="3018234" cy="1098000"/>
         </a:xfrm>
         <a:prstGeom prst="rect">
           <a:avLst/>
@@ -1454,8 +1374,13 @@
         </a:solidFill>
         <a:ln w="25400" cap="flat" cmpd="sng" algn="ctr">
           <a:solidFill>
-            <a:schemeClr val="tx1">
+            <a:schemeClr val="accent1">
               <a:alpha val="90000"/>
+              <a:tint val="40000"/>
+              <a:hueOff val="0"/>
+              <a:satOff val="0"/>
+              <a:lumOff val="0"/>
+              <a:alphaOff val="0"/>
             </a:schemeClr>
           </a:solidFill>
           <a:prstDash val="solid"/>
@@ -1475,12 +1400,12 @@
         <a:fontRef idx="minor"/>
       </dsp:style>
       <dsp:txBody>
-        <a:bodyPr spcFirstLastPara="0" vert="horz" wrap="square" lIns="106680" tIns="106680" rIns="142240" bIns="160020" numCol="1" spcCol="1270" anchor="t" anchorCtr="0">
+        <a:bodyPr spcFirstLastPara="0" vert="horz" wrap="square" lIns="96012" tIns="96012" rIns="128016" bIns="144018" numCol="1" spcCol="1270" anchor="t" anchorCtr="0">
           <a:noAutofit/>
         </a:bodyPr>
         <a:lstStyle/>
         <a:p>
-          <a:pPr marL="228600" lvl="1" indent="-228600" algn="l" defTabSz="889000">
+          <a:pPr marL="171450" lvl="1" indent="-171450" algn="l" defTabSz="800100">
             <a:lnSpc>
               <a:spcPct val="90000"/>
             </a:lnSpc>
@@ -1493,26 +1418,26 @@
             <a:buChar char="••"/>
           </a:pPr>
           <a:r>
-            <a:rPr kumimoji="1" lang="ja-JP" altLang="en-US" sz="2000" kern="1200" dirty="0" smtClean="0"/>
+            <a:rPr kumimoji="1" lang="ja-JP" altLang="en-US" sz="1800" b="1" kern="1200" dirty="0" smtClean="0"/>
             <a:t>自機の移動</a:t>
           </a:r>
-          <a:endParaRPr kumimoji="1" lang="ja-JP" altLang="en-US" sz="2000" kern="1200" dirty="0"/>
+          <a:endParaRPr kumimoji="1" lang="ja-JP" altLang="en-US" sz="1800" b="1" kern="1200" dirty="0"/>
         </a:p>
       </dsp:txBody>
       <dsp:txXfrm>
-        <a:off x="10647" y="671947"/>
-        <a:ext cx="2830762" cy="1099134"/>
+        <a:off x="3095" y="731866"/>
+        <a:ext cx="3018234" cy="1098000"/>
       </dsp:txXfrm>
     </dsp:sp>
-    <dsp:sp modelId="{B37A1543-2AA9-4EB5-8860-E8ADD0EC40EE}">
+    <dsp:sp modelId="{8F59895A-925A-4024-93CF-11E41EBBA818}">
       <dsp:nvSpPr>
         <dsp:cNvPr id="0" name=""/>
         <dsp:cNvSpPr/>
       </dsp:nvSpPr>
       <dsp:spPr>
         <a:xfrm>
-          <a:off x="3237716" y="10728"/>
-          <a:ext cx="3173638" cy="670213"/>
+          <a:off x="3443882" y="11866"/>
+          <a:ext cx="3018234" cy="720000"/>
         </a:xfrm>
         <a:prstGeom prst="rect">
           <a:avLst/>
@@ -1527,7 +1452,12 @@
         </a:solidFill>
         <a:ln w="25400" cap="flat" cmpd="sng" algn="ctr">
           <a:solidFill>
-            <a:schemeClr val="tx1"/>
+            <a:schemeClr val="accent1">
+              <a:hueOff val="0"/>
+              <a:satOff val="0"/>
+              <a:lumOff val="0"/>
+              <a:alphaOff val="0"/>
+            </a:schemeClr>
           </a:solidFill>
           <a:prstDash val="solid"/>
         </a:ln>
@@ -1566,25 +1496,25 @@
           </a:pPr>
           <a:r>
             <a:rPr kumimoji="1" lang="ja-JP" altLang="en-US" sz="2800" b="1" kern="1200" dirty="0" smtClean="0"/>
-            <a:t>②スキルボタン</a:t>
+            <a:t>②矢印</a:t>
           </a:r>
           <a:endParaRPr kumimoji="1" lang="ja-JP" altLang="en-US" sz="2800" b="1" kern="1200" dirty="0"/>
         </a:p>
       </dsp:txBody>
       <dsp:txXfrm>
-        <a:off x="3237716" y="10728"/>
-        <a:ext cx="3173638" cy="670213"/>
+        <a:off x="3443882" y="11866"/>
+        <a:ext cx="3018234" cy="720000"/>
       </dsp:txXfrm>
     </dsp:sp>
-    <dsp:sp modelId="{D696E469-B4D3-4E8D-BF9C-7B5EAFB6DBD7}">
+    <dsp:sp modelId="{7760CA20-0D12-41AD-BEB6-137CD4507238}">
       <dsp:nvSpPr>
         <dsp:cNvPr id="0" name=""/>
         <dsp:cNvSpPr/>
       </dsp:nvSpPr>
       <dsp:spPr>
         <a:xfrm>
-          <a:off x="3237716" y="686893"/>
-          <a:ext cx="3173638" cy="1075195"/>
+          <a:off x="3443882" y="731866"/>
+          <a:ext cx="3018234" cy="1098000"/>
         </a:xfrm>
         <a:prstGeom prst="rect">
           <a:avLst/>
@@ -1601,8 +1531,13 @@
         </a:solidFill>
         <a:ln w="25400" cap="flat" cmpd="sng" algn="ctr">
           <a:solidFill>
-            <a:schemeClr val="tx1">
+            <a:schemeClr val="accent1">
               <a:alpha val="90000"/>
+              <a:tint val="40000"/>
+              <a:hueOff val="0"/>
+              <a:satOff val="0"/>
+              <a:lumOff val="0"/>
+              <a:alphaOff val="0"/>
             </a:schemeClr>
           </a:solidFill>
           <a:prstDash val="solid"/>
@@ -1622,12 +1557,12 @@
         <a:fontRef idx="minor"/>
       </dsp:style>
       <dsp:txBody>
-        <a:bodyPr spcFirstLastPara="0" vert="horz" wrap="square" lIns="106680" tIns="106680" rIns="142240" bIns="160020" numCol="1" spcCol="1270" anchor="t" anchorCtr="0">
+        <a:bodyPr spcFirstLastPara="0" vert="horz" wrap="square" lIns="96012" tIns="96012" rIns="128016" bIns="144018" numCol="1" spcCol="1270" anchor="t" anchorCtr="0">
           <a:noAutofit/>
         </a:bodyPr>
         <a:lstStyle/>
         <a:p>
-          <a:pPr marL="228600" lvl="1" indent="-228600" algn="l" defTabSz="889000">
+          <a:pPr marL="171450" lvl="1" indent="-171450" algn="l" defTabSz="800100">
             <a:lnSpc>
               <a:spcPct val="90000"/>
             </a:lnSpc>
@@ -1640,45 +1575,26 @@
             <a:buChar char="••"/>
           </a:pPr>
           <a:r>
-            <a:rPr kumimoji="1" lang="ja-JP" altLang="en-US" sz="2000" kern="1200" dirty="0" smtClean="0"/>
-            <a:t>タッチでスキル発動</a:t>
+            <a:rPr kumimoji="1" lang="ja-JP" altLang="en-US" sz="1800" b="1" kern="1200" dirty="0" smtClean="0"/>
+            <a:t>ボスの居る方向を示す</a:t>
           </a:r>
-          <a:endParaRPr kumimoji="1" lang="ja-JP" altLang="en-US" sz="2000" kern="1200" dirty="0"/>
-        </a:p>
-        <a:p>
-          <a:pPr marL="228600" lvl="1" indent="-228600" algn="l" defTabSz="889000">
-            <a:lnSpc>
-              <a:spcPct val="90000"/>
-            </a:lnSpc>
-            <a:spcBef>
-              <a:spcPct val="0"/>
-            </a:spcBef>
-            <a:spcAft>
-              <a:spcPct val="15000"/>
-            </a:spcAft>
-            <a:buChar char="••"/>
-          </a:pPr>
-          <a:r>
-            <a:rPr kumimoji="1" lang="ja-JP" altLang="en-US" sz="2000" kern="1200" dirty="0" smtClean="0"/>
-            <a:t>クールタイム後再発可能</a:t>
-          </a:r>
-          <a:endParaRPr kumimoji="1" lang="ja-JP" altLang="en-US" sz="2000" kern="1200" dirty="0"/>
+          <a:endParaRPr kumimoji="1" lang="ja-JP" altLang="en-US" sz="1800" b="1" kern="1200" dirty="0"/>
         </a:p>
       </dsp:txBody>
       <dsp:txXfrm>
-        <a:off x="3237716" y="686893"/>
-        <a:ext cx="3173638" cy="1075195"/>
+        <a:off x="3443882" y="731866"/>
+        <a:ext cx="3018234" cy="1098000"/>
       </dsp:txXfrm>
     </dsp:sp>
-    <dsp:sp modelId="{7BE5BF35-28BB-42CF-9BA1-01D3B6CFA5C8}">
+    <dsp:sp modelId="{5C2D9F85-946A-405C-96B3-FB8C6870C7DA}">
       <dsp:nvSpPr>
         <dsp:cNvPr id="0" name=""/>
         <dsp:cNvSpPr/>
       </dsp:nvSpPr>
       <dsp:spPr>
         <a:xfrm>
-          <a:off x="6807661" y="7752"/>
-          <a:ext cx="2830762" cy="670213"/>
+          <a:off x="6884670" y="11866"/>
+          <a:ext cx="3018234" cy="720000"/>
         </a:xfrm>
         <a:prstGeom prst="rect">
           <a:avLst/>
@@ -1693,7 +1609,12 @@
         </a:solidFill>
         <a:ln w="25400" cap="flat" cmpd="sng" algn="ctr">
           <a:solidFill>
-            <a:schemeClr val="tx1"/>
+            <a:schemeClr val="accent1">
+              <a:hueOff val="0"/>
+              <a:satOff val="0"/>
+              <a:lumOff val="0"/>
+              <a:alphaOff val="0"/>
+            </a:schemeClr>
           </a:solidFill>
           <a:prstDash val="solid"/>
         </a:ln>
@@ -1732,25 +1653,25 @@
           </a:pPr>
           <a:r>
             <a:rPr kumimoji="1" lang="ja-JP" altLang="en-US" sz="2800" b="1" kern="1200" dirty="0" smtClean="0"/>
-            <a:t>③矢印</a:t>
+            <a:t>③スキルボタン</a:t>
           </a:r>
           <a:endParaRPr kumimoji="1" lang="ja-JP" altLang="en-US" sz="2800" b="1" kern="1200" dirty="0"/>
         </a:p>
       </dsp:txBody>
       <dsp:txXfrm>
-        <a:off x="6807661" y="7752"/>
-        <a:ext cx="2830762" cy="670213"/>
+        <a:off x="6884670" y="11866"/>
+        <a:ext cx="3018234" cy="720000"/>
       </dsp:txXfrm>
     </dsp:sp>
-    <dsp:sp modelId="{EA0B6686-BA98-41A6-B1FA-AC4BC4C909D3}">
+    <dsp:sp modelId="{B2715A92-5643-4DE6-8E96-F0A1617595CC}">
       <dsp:nvSpPr>
         <dsp:cNvPr id="0" name=""/>
         <dsp:cNvSpPr/>
       </dsp:nvSpPr>
       <dsp:spPr>
         <a:xfrm>
-          <a:off x="6807661" y="677965"/>
-          <a:ext cx="2830762" cy="1087099"/>
+          <a:off x="6884670" y="731866"/>
+          <a:ext cx="3018234" cy="1098000"/>
         </a:xfrm>
         <a:prstGeom prst="rect">
           <a:avLst/>
@@ -1767,8 +1688,13 @@
         </a:solidFill>
         <a:ln w="25400" cap="flat" cmpd="sng" algn="ctr">
           <a:solidFill>
-            <a:schemeClr val="tx1">
+            <a:schemeClr val="accent1">
               <a:alpha val="90000"/>
+              <a:tint val="40000"/>
+              <a:hueOff val="0"/>
+              <a:satOff val="0"/>
+              <a:lumOff val="0"/>
+              <a:alphaOff val="0"/>
             </a:schemeClr>
           </a:solidFill>
           <a:prstDash val="solid"/>
@@ -1788,12 +1714,12 @@
         <a:fontRef idx="minor"/>
       </dsp:style>
       <dsp:txBody>
-        <a:bodyPr spcFirstLastPara="0" vert="horz" wrap="square" lIns="106680" tIns="106680" rIns="142240" bIns="160020" numCol="1" spcCol="1270" anchor="t" anchorCtr="0">
+        <a:bodyPr spcFirstLastPara="0" vert="horz" wrap="square" lIns="96012" tIns="96012" rIns="128016" bIns="144018" numCol="1" spcCol="1270" anchor="t" anchorCtr="0">
           <a:noAutofit/>
         </a:bodyPr>
         <a:lstStyle/>
         <a:p>
-          <a:pPr marL="228600" lvl="1" indent="-228600" algn="l" defTabSz="889000">
+          <a:pPr marL="171450" lvl="1" indent="-171450" algn="l" defTabSz="800100">
             <a:lnSpc>
               <a:spcPct val="90000"/>
             </a:lnSpc>
@@ -1806,15 +1732,34 @@
             <a:buChar char="••"/>
           </a:pPr>
           <a:r>
-            <a:rPr kumimoji="1" lang="ja-JP" altLang="en-US" sz="2000" kern="1200" dirty="0" smtClean="0"/>
-            <a:t>ボスの居る方向を示す</a:t>
+            <a:rPr kumimoji="1" lang="ja-JP" altLang="en-US" sz="1800" b="1" kern="1200" dirty="0" smtClean="0"/>
+            <a:t>タッチでスキル発動</a:t>
           </a:r>
-          <a:endParaRPr kumimoji="1" lang="ja-JP" altLang="en-US" sz="2000" kern="1200" dirty="0"/>
+          <a:endParaRPr kumimoji="1" lang="ja-JP" altLang="en-US" sz="1800" b="1" kern="1200" dirty="0"/>
+        </a:p>
+        <a:p>
+          <a:pPr marL="171450" lvl="1" indent="-171450" algn="l" defTabSz="800100">
+            <a:lnSpc>
+              <a:spcPct val="90000"/>
+            </a:lnSpc>
+            <a:spcBef>
+              <a:spcPct val="0"/>
+            </a:spcBef>
+            <a:spcAft>
+              <a:spcPct val="15000"/>
+            </a:spcAft>
+            <a:buChar char="••"/>
+          </a:pPr>
+          <a:r>
+            <a:rPr kumimoji="1" lang="ja-JP" altLang="en-US" sz="1800" b="1" kern="1200" dirty="0" smtClean="0"/>
+            <a:t>クールタイム後再発可能</a:t>
+          </a:r>
+          <a:endParaRPr kumimoji="1" lang="ja-JP" altLang="en-US" sz="1800" b="1" kern="1200" dirty="0"/>
         </a:p>
       </dsp:txBody>
       <dsp:txXfrm>
-        <a:off x="6807661" y="677965"/>
-        <a:ext cx="2830762" cy="1087099"/>
+        <a:off x="6884670" y="731866"/>
+        <a:ext cx="3018234" cy="1098000"/>
       </dsp:txXfrm>
     </dsp:sp>
   </dsp:spTree>
@@ -3253,7 +3198,7 @@
           <a:p>
             <a:fld id="{52CB16DE-4144-4CD2-832B-4C6581132D8F}" type="datetimeFigureOut">
               <a:rPr kumimoji="1" lang="ja-JP" altLang="en-US" smtClean="0"/>
-              <a:t>2015/1/29</a:t>
+              <a:t>2015/2/2</a:t>
             </a:fld>
             <a:endParaRPr kumimoji="1" lang="ja-JP" altLang="en-US"/>
           </a:p>
@@ -3455,7 +3400,7 @@
           <a:p>
             <a:fld id="{52CB16DE-4144-4CD2-832B-4C6581132D8F}" type="datetimeFigureOut">
               <a:rPr kumimoji="1" lang="ja-JP" altLang="en-US" smtClean="0"/>
-              <a:t>2015/1/29</a:t>
+              <a:t>2015/2/2</a:t>
             </a:fld>
             <a:endParaRPr kumimoji="1" lang="ja-JP" altLang="en-US"/>
           </a:p>
@@ -3667,7 +3612,7 @@
           <a:p>
             <a:fld id="{52CB16DE-4144-4CD2-832B-4C6581132D8F}" type="datetimeFigureOut">
               <a:rPr kumimoji="1" lang="ja-JP" altLang="en-US" smtClean="0"/>
-              <a:t>2015/1/29</a:t>
+              <a:t>2015/2/2</a:t>
             </a:fld>
             <a:endParaRPr kumimoji="1" lang="ja-JP" altLang="en-US"/>
           </a:p>
@@ -3869,7 +3814,7 @@
           <a:p>
             <a:fld id="{52CB16DE-4144-4CD2-832B-4C6581132D8F}" type="datetimeFigureOut">
               <a:rPr kumimoji="1" lang="ja-JP" altLang="en-US" smtClean="0"/>
-              <a:t>2015/1/29</a:t>
+              <a:t>2015/2/2</a:t>
             </a:fld>
             <a:endParaRPr kumimoji="1" lang="ja-JP" altLang="en-US"/>
           </a:p>
@@ -4115,7 +4060,7 @@
           <a:p>
             <a:fld id="{52CB16DE-4144-4CD2-832B-4C6581132D8F}" type="datetimeFigureOut">
               <a:rPr kumimoji="1" lang="ja-JP" altLang="en-US" smtClean="0"/>
-              <a:t>2015/1/29</a:t>
+              <a:t>2015/2/2</a:t>
             </a:fld>
             <a:endParaRPr kumimoji="1" lang="ja-JP" altLang="en-US"/>
           </a:p>
@@ -4467,7 +4412,7 @@
           <a:p>
             <a:fld id="{52CB16DE-4144-4CD2-832B-4C6581132D8F}" type="datetimeFigureOut">
               <a:rPr kumimoji="1" lang="ja-JP" altLang="en-US" smtClean="0"/>
-              <a:t>2015/1/29</a:t>
+              <a:t>2015/2/2</a:t>
             </a:fld>
             <a:endParaRPr kumimoji="1" lang="ja-JP" altLang="en-US"/>
           </a:p>
@@ -4953,7 +4898,7 @@
           <a:p>
             <a:fld id="{52CB16DE-4144-4CD2-832B-4C6581132D8F}" type="datetimeFigureOut">
               <a:rPr kumimoji="1" lang="ja-JP" altLang="en-US" smtClean="0"/>
-              <a:t>2015/1/29</a:t>
+              <a:t>2015/2/2</a:t>
             </a:fld>
             <a:endParaRPr kumimoji="1" lang="ja-JP" altLang="en-US"/>
           </a:p>
@@ -5071,7 +5016,7 @@
           <a:p>
             <a:fld id="{52CB16DE-4144-4CD2-832B-4C6581132D8F}" type="datetimeFigureOut">
               <a:rPr kumimoji="1" lang="ja-JP" altLang="en-US" smtClean="0"/>
-              <a:t>2015/1/29</a:t>
+              <a:t>2015/2/2</a:t>
             </a:fld>
             <a:endParaRPr kumimoji="1" lang="ja-JP" altLang="en-US"/>
           </a:p>
@@ -5166,7 +5111,7 @@
           <a:p>
             <a:fld id="{52CB16DE-4144-4CD2-832B-4C6581132D8F}" type="datetimeFigureOut">
               <a:rPr kumimoji="1" lang="ja-JP" altLang="en-US" smtClean="0"/>
-              <a:t>2015/1/29</a:t>
+              <a:t>2015/2/2</a:t>
             </a:fld>
             <a:endParaRPr kumimoji="1" lang="ja-JP" altLang="en-US"/>
           </a:p>
@@ -5475,7 +5420,7 @@
           <a:p>
             <a:fld id="{52CB16DE-4144-4CD2-832B-4C6581132D8F}" type="datetimeFigureOut">
               <a:rPr kumimoji="1" lang="ja-JP" altLang="en-US" smtClean="0"/>
-              <a:t>2015/1/29</a:t>
+              <a:t>2015/2/2</a:t>
             </a:fld>
             <a:endParaRPr kumimoji="1" lang="ja-JP" altLang="en-US"/>
           </a:p>
@@ -5728,7 +5673,7 @@
           <a:p>
             <a:fld id="{52CB16DE-4144-4CD2-832B-4C6581132D8F}" type="datetimeFigureOut">
               <a:rPr kumimoji="1" lang="ja-JP" altLang="en-US" smtClean="0"/>
-              <a:t>2015/1/29</a:t>
+              <a:t>2015/2/2</a:t>
             </a:fld>
             <a:endParaRPr kumimoji="1" lang="ja-JP" altLang="en-US"/>
           </a:p>
@@ -5973,7 +5918,7 @@
           <a:p>
             <a:fld id="{52CB16DE-4144-4CD2-832B-4C6581132D8F}" type="datetimeFigureOut">
               <a:rPr kumimoji="1" lang="ja-JP" altLang="en-US" smtClean="0"/>
-              <a:t>2015/1/29</a:t>
+              <a:t>2015/2/2</a:t>
             </a:fld>
             <a:endParaRPr kumimoji="1" lang="ja-JP" altLang="en-US"/>
           </a:p>
@@ -6363,10 +6308,7 @@
             <a:avLst/>
           </a:prstGeom>
           <a:solidFill>
-            <a:schemeClr val="tx1">
-              <a:lumMod val="65000"/>
-              <a:lumOff val="35000"/>
-            </a:schemeClr>
+            <a:srgbClr val="1B1B1B"/>
           </a:solidFill>
           <a:ln>
             <a:solidFill>
@@ -6399,28 +6341,129 @@
           </a:p>
         </p:txBody>
       </p:sp>
-      <p:graphicFrame>
-        <p:nvGraphicFramePr>
-          <p:cNvPr id="16" name="図表 15"/>
-          <p:cNvGraphicFramePr/>
-          <p:nvPr>
-            <p:extLst>
-              <p:ext uri="{D42A27DB-BD31-4B8C-83A1-F6EECF244321}">
-                <p14:modId xmlns:p14="http://schemas.microsoft.com/office/powerpoint/2010/main" val="1024590221"/>
-              </p:ext>
-            </p:extLst>
-          </p:nvPr>
-        </p:nvGraphicFramePr>
-        <p:xfrm>
-          <a:off x="56456" y="5085183"/>
-          <a:ext cx="9649072" cy="1772817"/>
-        </p:xfrm>
-        <a:graphic>
-          <a:graphicData uri="http://schemas.openxmlformats.org/drawingml/2006/diagram">
-            <dgm:relIds xmlns:dgm="http://schemas.openxmlformats.org/drawingml/2006/diagram" xmlns:r="http://schemas.openxmlformats.org/officeDocument/2006/relationships" r:dm="rId2" r:lo="rId3" r:qs="rId4" r:cs="rId5"/>
-          </a:graphicData>
-        </a:graphic>
-      </p:graphicFrame>
+      <p:pic>
+        <p:nvPicPr>
+          <p:cNvPr id="1026" name="Picture 2" descr="C:\Users\Yusuke\Desktop\teamrogo.png"/>
+          <p:cNvPicPr>
+            <a:picLocks noChangeAspect="1" noChangeArrowheads="1"/>
+          </p:cNvPicPr>
+          <p:nvPr/>
+        </p:nvPicPr>
+        <p:blipFill>
+          <a:blip r:embed="rId2" cstate="print">
+            <a:extLst>
+              <a:ext uri="{28A0092B-C50C-407E-A947-70E740481C1C}">
+                <a14:useLocalDpi xmlns:a14="http://schemas.microsoft.com/office/drawing/2010/main" val="0"/>
+              </a:ext>
+            </a:extLst>
+          </a:blip>
+          <a:srcRect/>
+          <a:stretch>
+            <a:fillRect/>
+          </a:stretch>
+        </p:blipFill>
+        <p:spPr bwMode="auto">
+          <a:xfrm>
+            <a:off x="6609184" y="-207251"/>
+            <a:ext cx="3606085" cy="1803336"/>
+          </a:xfrm>
+          <a:prstGeom prst="rect">
+            <a:avLst/>
+          </a:prstGeom>
+          <a:noFill/>
+          <a:extLst>
+            <a:ext uri="{909E8E84-426E-40DD-AFC4-6F175D3DCCD1}">
+              <a14:hiddenFill xmlns:a14="http://schemas.microsoft.com/office/drawing/2010/main">
+                <a:solidFill>
+                  <a:srgbClr val="FFFFFF"/>
+                </a:solidFill>
+              </a14:hiddenFill>
+            </a:ext>
+          </a:extLst>
+        </p:spPr>
+      </p:pic>
+      <p:pic>
+        <p:nvPicPr>
+          <p:cNvPr id="7" name="Picture 3" descr="C:\Users\Yusuke\Desktop\unitytyan.png"/>
+          <p:cNvPicPr>
+            <a:picLocks noChangeAspect="1" noChangeArrowheads="1"/>
+          </p:cNvPicPr>
+          <p:nvPr/>
+        </p:nvPicPr>
+        <p:blipFill>
+          <a:blip r:embed="rId3">
+            <a:extLst>
+              <a:ext uri="{28A0092B-C50C-407E-A947-70E740481C1C}">
+                <a14:useLocalDpi xmlns:a14="http://schemas.microsoft.com/office/drawing/2010/main" val="0"/>
+              </a:ext>
+            </a:extLst>
+          </a:blip>
+          <a:srcRect/>
+          <a:stretch>
+            <a:fillRect/>
+          </a:stretch>
+        </p:blipFill>
+        <p:spPr bwMode="auto">
+          <a:xfrm>
+            <a:off x="1640632" y="-110593"/>
+            <a:ext cx="4673032" cy="2603489"/>
+          </a:xfrm>
+          <a:prstGeom prst="rect">
+            <a:avLst/>
+          </a:prstGeom>
+          <a:noFill/>
+          <a:extLst>
+            <a:ext uri="{909E8E84-426E-40DD-AFC4-6F175D3DCCD1}">
+              <a14:hiddenFill xmlns:a14="http://schemas.microsoft.com/office/drawing/2010/main">
+                <a:solidFill>
+                  <a:srgbClr val="FFFFFF"/>
+                </a:solidFill>
+              </a14:hiddenFill>
+            </a:ext>
+          </a:extLst>
+        </p:spPr>
+      </p:pic>
+      <p:pic>
+        <p:nvPicPr>
+          <p:cNvPr id="5" name="Picture 2" descr="C:\Users\Yusuke\Desktop\mojidake.png"/>
+          <p:cNvPicPr>
+            <a:picLocks noChangeAspect="1" noChangeArrowheads="1"/>
+          </p:cNvPicPr>
+          <p:nvPr/>
+        </p:nvPicPr>
+        <p:blipFill>
+          <a:blip r:embed="rId4">
+            <a:extLst>
+              <a:ext uri="{28A0092B-C50C-407E-A947-70E740481C1C}">
+                <a14:useLocalDpi xmlns:a14="http://schemas.microsoft.com/office/drawing/2010/main" val="0"/>
+              </a:ext>
+            </a:extLst>
+          </a:blip>
+          <a:srcRect/>
+          <a:stretch>
+            <a:fillRect/>
+          </a:stretch>
+        </p:blipFill>
+        <p:spPr bwMode="auto">
+          <a:xfrm>
+            <a:off x="1352600" y="-430788"/>
+            <a:ext cx="5486323" cy="1843564"/>
+          </a:xfrm>
+          <a:prstGeom prst="rect">
+            <a:avLst/>
+          </a:prstGeom>
+          <a:noFill/>
+          <a:extLst>
+            <a:ext uri="{909E8E84-426E-40DD-AFC4-6F175D3DCCD1}">
+              <a14:hiddenFill xmlns:a14="http://schemas.microsoft.com/office/drawing/2010/main">
+                <a:solidFill>
+                  <a:srgbClr val="FFFFFF"/>
+                </a:solidFill>
+              </a14:hiddenFill>
+            </a:ext>
+          </a:extLst>
+        </p:spPr>
+      </p:pic>
       <p:grpSp>
         <p:nvGrpSpPr>
           <p:cNvPr id="18" name="グループ化 17"/>
@@ -6429,7 +6472,7 @@
         </p:nvGrpSpPr>
         <p:grpSpPr>
           <a:xfrm>
-            <a:off x="1102132" y="1168786"/>
+            <a:off x="200472" y="1168786"/>
             <a:ext cx="7560840" cy="3873809"/>
             <a:chOff x="1397987" y="1"/>
             <a:chExt cx="7068937" cy="5468112"/>
@@ -6444,7 +6487,7 @@
             <p:nvPr/>
           </p:nvPicPr>
           <p:blipFill>
-            <a:blip r:embed="rId7" cstate="print">
+            <a:blip r:embed="rId5" cstate="print">
               <a:extLst>
                 <a:ext uri="{28A0092B-C50C-407E-A947-70E740481C1C}">
                   <a14:useLocalDpi xmlns:a14="http://schemas.microsoft.com/office/drawing/2010/main" val="0"/>
@@ -6668,8 +6711,8 @@
           </p:nvSpPr>
           <p:spPr>
             <a:xfrm>
-              <a:off x="6926989" y="4079358"/>
-              <a:ext cx="822198" cy="1096359"/>
+              <a:off x="4078977" y="3002819"/>
+              <a:ext cx="822198" cy="1096360"/>
             </a:xfrm>
             <a:prstGeom prst="rect">
               <a:avLst/>
@@ -6709,8 +6752,8 @@
           </p:nvSpPr>
           <p:spPr>
             <a:xfrm>
-              <a:off x="4295492" y="3146313"/>
-              <a:ext cx="822198" cy="1096359"/>
+              <a:off x="6851167" y="3776031"/>
+              <a:ext cx="822198" cy="1096360"/>
             </a:xfrm>
             <a:prstGeom prst="rect">
               <a:avLst/>
@@ -6742,14 +6785,14 @@
       </p:grpSp>
       <p:pic>
         <p:nvPicPr>
-          <p:cNvPr id="1026" name="Picture 2" descr="C:\Users\Yusuke\Desktop\teamrogo.png"/>
+          <p:cNvPr id="1028" name="Picture 4" descr="C:\Users\Yusuke\Desktop\酔餃子素材\Unityちゃん@Survior でかい.png"/>
           <p:cNvPicPr>
             <a:picLocks noChangeAspect="1" noChangeArrowheads="1"/>
           </p:cNvPicPr>
           <p:nvPr/>
         </p:nvPicPr>
         <p:blipFill>
-          <a:blip r:embed="rId8" cstate="print">
+          <a:blip r:embed="rId6">
             <a:extLst>
               <a:ext uri="{28A0092B-C50C-407E-A947-70E740481C1C}">
                 <a14:useLocalDpi xmlns:a14="http://schemas.microsoft.com/office/drawing/2010/main" val="0"/>
@@ -6763,8 +6806,8 @@
         </p:blipFill>
         <p:spPr bwMode="auto">
           <a:xfrm>
-            <a:off x="6609184" y="-207251"/>
-            <a:ext cx="3606085" cy="1803336"/>
+            <a:off x="6841555" y="1963897"/>
+            <a:ext cx="3759647" cy="2664389"/>
           </a:xfrm>
           <a:prstGeom prst="rect">
             <a:avLst/>
@@ -6781,47 +6824,127 @@
           </a:extLst>
         </p:spPr>
       </p:pic>
-      <p:pic>
-        <p:nvPicPr>
-          <p:cNvPr id="1027" name="Picture 3" descr="C:\Users\Yusuke\Desktop\title.png"/>
-          <p:cNvPicPr>
-            <a:picLocks noChangeAspect="1" noChangeArrowheads="1"/>
-          </p:cNvPicPr>
+      <p:graphicFrame>
+        <p:nvGraphicFramePr>
+          <p:cNvPr id="12" name="図表 11"/>
+          <p:cNvGraphicFramePr/>
+          <p:nvPr>
+            <p:extLst>
+              <p:ext uri="{D42A27DB-BD31-4B8C-83A1-F6EECF244321}">
+                <p14:modId xmlns:p14="http://schemas.microsoft.com/office/powerpoint/2010/main" val="1093869771"/>
+              </p:ext>
+            </p:extLst>
+          </p:nvPr>
+        </p:nvGraphicFramePr>
+        <p:xfrm>
+          <a:off x="0" y="5042595"/>
+          <a:ext cx="9906000" cy="1841733"/>
+        </p:xfrm>
+        <a:graphic>
+          <a:graphicData uri="http://schemas.openxmlformats.org/drawingml/2006/diagram">
+            <dgm:relIds xmlns:dgm="http://schemas.openxmlformats.org/drawingml/2006/diagram" xmlns:r="http://schemas.openxmlformats.org/officeDocument/2006/relationships" r:dm="rId7" r:lo="rId8" r:qs="rId9" r:cs="rId10"/>
+          </a:graphicData>
+        </a:graphic>
+      </p:graphicFrame>
+      <p:sp>
+        <p:nvSpPr>
+          <p:cNvPr id="13" name="テキスト ボックス 12"/>
+          <p:cNvSpPr txBox="1"/>
           <p:nvPr/>
-        </p:nvPicPr>
-        <p:blipFill>
-          <a:blip r:embed="rId9">
-            <a:extLst>
-              <a:ext uri="{28A0092B-C50C-407E-A947-70E740481C1C}">
-                <a14:useLocalDpi xmlns:a14="http://schemas.microsoft.com/office/drawing/2010/main" val="0"/>
-              </a:ext>
-            </a:extLst>
-          </a:blip>
-          <a:srcRect/>
-          <a:stretch>
-            <a:fillRect/>
-          </a:stretch>
-        </p:blipFill>
-        <p:spPr bwMode="auto">
-          <a:xfrm>
-            <a:off x="1186895" y="-1612669"/>
-            <a:ext cx="5828983" cy="3551309"/>
+        </p:nvSpPr>
+        <p:spPr>
+          <a:xfrm rot="511812">
+            <a:off x="664860" y="1138999"/>
+            <a:ext cx="2685351" cy="1446550"/>
           </a:xfrm>
           <a:prstGeom prst="rect">
             <a:avLst/>
           </a:prstGeom>
           <a:noFill/>
-          <a:extLst>
-            <a:ext uri="{909E8E84-426E-40DD-AFC4-6F175D3DCCD1}">
-              <a14:hiddenFill xmlns:a14="http://schemas.microsoft.com/office/drawing/2010/main">
+        </p:spPr>
+        <p:txBody>
+          <a:bodyPr wrap="none" rtlCol="0">
+            <a:spAutoFit/>
+          </a:bodyPr>
+          <a:lstStyle/>
+          <a:p>
+            <a:r>
+              <a:rPr kumimoji="1" lang="ja-JP" altLang="en-US" sz="4400" b="1" dirty="0" smtClean="0">
+                <a:ln>
+                  <a:solidFill>
+                    <a:schemeClr val="tx1"/>
+                  </a:solidFill>
+                </a:ln>
                 <a:solidFill>
-                  <a:srgbClr val="FFFFFF"/>
+                  <a:srgbClr val="FF0000"/>
                 </a:solidFill>
-              </a14:hiddenFill>
-            </a:ext>
-          </a:extLst>
-        </p:spPr>
-      </p:pic>
+              </a:rPr>
+              <a:t>近づいて</a:t>
+            </a:r>
+            <a:endParaRPr kumimoji="1" lang="en-US" altLang="ja-JP" sz="4400" b="1" dirty="0" smtClean="0">
+              <a:ln>
+                <a:solidFill>
+                  <a:schemeClr val="tx1"/>
+                </a:solidFill>
+              </a:ln>
+              <a:solidFill>
+                <a:srgbClr val="FF0000"/>
+              </a:solidFill>
+            </a:endParaRPr>
+          </a:p>
+          <a:p>
+            <a:r>
+              <a:rPr lang="en-US" altLang="ja-JP" sz="4400" b="1" dirty="0">
+                <a:ln>
+                  <a:solidFill>
+                    <a:schemeClr val="tx1"/>
+                  </a:solidFill>
+                </a:ln>
+                <a:solidFill>
+                  <a:srgbClr val="FF0000"/>
+                </a:solidFill>
+              </a:rPr>
+              <a:t>	</a:t>
+            </a:r>
+            <a:r>
+              <a:rPr lang="ja-JP" altLang="en-US" sz="4400" b="1" dirty="0" smtClean="0">
+                <a:ln>
+                  <a:solidFill>
+                    <a:schemeClr val="tx1"/>
+                  </a:solidFill>
+                </a:ln>
+                <a:solidFill>
+                  <a:srgbClr val="FF0000"/>
+                </a:solidFill>
+              </a:rPr>
+              <a:t>殴れ</a:t>
+            </a:r>
+            <a:r>
+              <a:rPr lang="en-US" altLang="ja-JP" sz="4400" b="1" dirty="0" smtClean="0">
+                <a:ln>
+                  <a:solidFill>
+                    <a:schemeClr val="tx1"/>
+                  </a:solidFill>
+                </a:ln>
+                <a:solidFill>
+                  <a:srgbClr val="FF0000"/>
+                </a:solidFill>
+              </a:rPr>
+              <a:t>!?</a:t>
+            </a:r>
+            <a:endParaRPr kumimoji="1" lang="ja-JP" altLang="en-US" sz="4400" b="1" dirty="0">
+              <a:ln>
+                <a:solidFill>
+                  <a:schemeClr val="tx1"/>
+                </a:solidFill>
+              </a:ln>
+              <a:solidFill>
+                <a:srgbClr val="FF0000"/>
+              </a:solidFill>
+            </a:endParaRPr>
+          </a:p>
+        </p:txBody>
+      </p:sp>
     </p:spTree>
     <p:extLst>
       <p:ext uri="{BB962C8B-B14F-4D97-AF65-F5344CB8AC3E}">

--- a/説明書.pptx
+++ b/説明書.pptx
@@ -1136,6 +1136,13 @@
         </dgm:presLayoutVars>
       </dgm:prSet>
       <dgm:spPr/>
+      <dgm:t>
+        <a:bodyPr/>
+        <a:lstStyle/>
+        <a:p>
+          <a:endParaRPr kumimoji="1" lang="ja-JP" altLang="en-US"/>
+        </a:p>
+      </dgm:t>
     </dgm:pt>
     <dgm:pt modelId="{81634E33-80A5-4E12-BB40-9E69161512C9}" type="pres">
       <dgm:prSet presAssocID="{C22B3DDF-9EE2-4099-87FE-6DC0C5138D86}" presName="composite" presStyleCnt="0"/>
@@ -1150,6 +1157,13 @@
         </dgm:presLayoutVars>
       </dgm:prSet>
       <dgm:spPr/>
+      <dgm:t>
+        <a:bodyPr/>
+        <a:lstStyle/>
+        <a:p>
+          <a:endParaRPr kumimoji="1" lang="ja-JP" altLang="en-US"/>
+        </a:p>
+      </dgm:t>
     </dgm:pt>
     <dgm:pt modelId="{3F1D0AE2-7C7E-4C64-A542-DDDDA650DE8E}" type="pres">
       <dgm:prSet presAssocID="{C22B3DDF-9EE2-4099-87FE-6DC0C5138D86}" presName="desTx" presStyleLbl="alignAccFollowNode1" presStyleIdx="0" presStyleCnt="3">
@@ -1183,6 +1197,13 @@
         </dgm:presLayoutVars>
       </dgm:prSet>
       <dgm:spPr/>
+      <dgm:t>
+        <a:bodyPr/>
+        <a:lstStyle/>
+        <a:p>
+          <a:endParaRPr kumimoji="1" lang="ja-JP" altLang="en-US"/>
+        </a:p>
+      </dgm:t>
     </dgm:pt>
     <dgm:pt modelId="{7760CA20-0D12-41AD-BEB6-137CD4507238}" type="pres">
       <dgm:prSet presAssocID="{CC61998E-51E8-467B-B4EA-3D5D08DC68DA}" presName="desTx" presStyleLbl="alignAccFollowNode1" presStyleIdx="1" presStyleCnt="3">
@@ -1216,6 +1237,13 @@
         </dgm:presLayoutVars>
       </dgm:prSet>
       <dgm:spPr/>
+      <dgm:t>
+        <a:bodyPr/>
+        <a:lstStyle/>
+        <a:p>
+          <a:endParaRPr kumimoji="1" lang="ja-JP" altLang="en-US"/>
+        </a:p>
+      </dgm:t>
     </dgm:pt>
     <dgm:pt modelId="{B2715A92-5643-4DE6-8E96-F0A1617595CC}" type="pres">
       <dgm:prSet presAssocID="{BCC37322-4F5E-4C1A-83E7-405D449C4AC3}" presName="desTx" presStyleLbl="alignAccFollowNode1" presStyleIdx="2" presStyleCnt="3">
@@ -1224,24 +1252,31 @@
         </dgm:presLayoutVars>
       </dgm:prSet>
       <dgm:spPr/>
+      <dgm:t>
+        <a:bodyPr/>
+        <a:lstStyle/>
+        <a:p>
+          <a:endParaRPr kumimoji="1" lang="ja-JP" altLang="en-US"/>
+        </a:p>
+      </dgm:t>
     </dgm:pt>
   </dgm:ptLst>
   <dgm:cxnLst>
+    <dgm:cxn modelId="{11D1D9FE-6DE7-4B1B-BC55-EB6873C3A98A}" type="presOf" srcId="{73B6B15B-2F54-4A9A-AD78-6FFA16D0DB9A}" destId="{3F1D0AE2-7C7E-4C64-A542-DDDDA650DE8E}" srcOrd="0" destOrd="0" presId="urn:microsoft.com/office/officeart/2005/8/layout/hList1"/>
+    <dgm:cxn modelId="{05BCA30C-9A30-48CB-B934-3A4D5BB75797}" type="presOf" srcId="{A5CCCA59-B7C0-4672-8102-9A0D58F3DA3B}" destId="{B2715A92-5643-4DE6-8E96-F0A1617595CC}" srcOrd="0" destOrd="0" presId="urn:microsoft.com/office/officeart/2005/8/layout/hList1"/>
     <dgm:cxn modelId="{D5D2A9BC-F27F-49F8-B508-CE8FEB03E958}" type="presOf" srcId="{B43B1390-A934-41E2-991E-6400CB4B9D17}" destId="{B2715A92-5643-4DE6-8E96-F0A1617595CC}" srcOrd="0" destOrd="1" presId="urn:microsoft.com/office/officeart/2005/8/layout/hList1"/>
-    <dgm:cxn modelId="{05BCA30C-9A30-48CB-B934-3A4D5BB75797}" type="presOf" srcId="{A5CCCA59-B7C0-4672-8102-9A0D58F3DA3B}" destId="{B2715A92-5643-4DE6-8E96-F0A1617595CC}" srcOrd="0" destOrd="0" presId="urn:microsoft.com/office/officeart/2005/8/layout/hList1"/>
+    <dgm:cxn modelId="{66277637-D10A-4286-9B91-B5D5D9768ECD}" srcId="{EB8C3C1B-75D6-45A1-9E8C-A5C13FED6FD8}" destId="{CC61998E-51E8-467B-B4EA-3D5D08DC68DA}" srcOrd="1" destOrd="0" parTransId="{1F015C11-325A-40A1-B3EA-909A55AC5B1D}" sibTransId="{094BEE28-829A-45FF-9B68-B67642857787}"/>
+    <dgm:cxn modelId="{B1D531D7-392D-4106-A82F-90EBFFB1FB19}" srcId="{BCC37322-4F5E-4C1A-83E7-405D449C4AC3}" destId="{B43B1390-A934-41E2-991E-6400CB4B9D17}" srcOrd="1" destOrd="0" parTransId="{ACE79202-4D53-475B-B1EC-486E8E0518C0}" sibTransId="{A7E55865-4F55-4519-A73B-CBFED71E4039}"/>
+    <dgm:cxn modelId="{4137EE4A-9E93-4918-BB4F-2E3C1E910EC8}" srcId="{EB8C3C1B-75D6-45A1-9E8C-A5C13FED6FD8}" destId="{BCC37322-4F5E-4C1A-83E7-405D449C4AC3}" srcOrd="2" destOrd="0" parTransId="{6362B408-3E9D-4387-B125-B1993C1CE19F}" sibTransId="{176A59AA-C0AB-4745-811D-87E72A2C03F9}"/>
+    <dgm:cxn modelId="{9B1FAAC5-2EFA-4A3A-ABE9-3D0AC93E885D}" type="presOf" srcId="{C22B3DDF-9EE2-4099-87FE-6DC0C5138D86}" destId="{C4CAFCEE-7294-472D-B440-9472EC0FC3ED}" srcOrd="0" destOrd="0" presId="urn:microsoft.com/office/officeart/2005/8/layout/hList1"/>
+    <dgm:cxn modelId="{6E4DEB54-13D3-4417-96F3-793AA09F268A}" srcId="{EB8C3C1B-75D6-45A1-9E8C-A5C13FED6FD8}" destId="{C22B3DDF-9EE2-4099-87FE-6DC0C5138D86}" srcOrd="0" destOrd="0" parTransId="{EAF9D53D-0A86-4294-A19C-D128E8FFADF4}" sibTransId="{DD6606D0-1E39-4604-8377-C640C8F4191B}"/>
+    <dgm:cxn modelId="{C9B1C77D-5DF1-4387-9AA7-46A3726701A7}" srcId="{CC61998E-51E8-467B-B4EA-3D5D08DC68DA}" destId="{E5F5DF6C-4D81-410A-B035-5AF33FFFD8DE}" srcOrd="0" destOrd="0" parTransId="{57CE0693-166D-483D-B96D-4EE3A0D8BC8C}" sibTransId="{83686B22-5DA6-404A-8242-1272C5068545}"/>
+    <dgm:cxn modelId="{EE3E9A94-F6F5-4ABF-AA59-71A5C9F57BFE}" type="presOf" srcId="{EB8C3C1B-75D6-45A1-9E8C-A5C13FED6FD8}" destId="{1BA96CA6-32E8-48C7-9B3B-24636929EE0F}" srcOrd="0" destOrd="0" presId="urn:microsoft.com/office/officeart/2005/8/layout/hList1"/>
     <dgm:cxn modelId="{0C8B13D7-D14C-4154-93EA-92D82CF8667A}" type="presOf" srcId="{CC61998E-51E8-467B-B4EA-3D5D08DC68DA}" destId="{8F59895A-925A-4024-93CF-11E41EBBA818}" srcOrd="0" destOrd="0" presId="urn:microsoft.com/office/officeart/2005/8/layout/hList1"/>
-    <dgm:cxn modelId="{B1D531D7-392D-4106-A82F-90EBFFB1FB19}" srcId="{BCC37322-4F5E-4C1A-83E7-405D449C4AC3}" destId="{B43B1390-A934-41E2-991E-6400CB4B9D17}" srcOrd="1" destOrd="0" parTransId="{ACE79202-4D53-475B-B1EC-486E8E0518C0}" sibTransId="{A7E55865-4F55-4519-A73B-CBFED71E4039}"/>
     <dgm:cxn modelId="{4D02B15F-CC7E-4215-A7B9-FEED35A1630C}" srcId="{C22B3DDF-9EE2-4099-87FE-6DC0C5138D86}" destId="{73B6B15B-2F54-4A9A-AD78-6FFA16D0DB9A}" srcOrd="0" destOrd="0" parTransId="{3398904D-33CA-41CF-949D-AEC940A88D26}" sibTransId="{33872345-AEE9-4D56-91A8-222325514890}"/>
+    <dgm:cxn modelId="{E0E09241-63FE-44BD-B62D-10DF64F7B1BC}" type="presOf" srcId="{E5F5DF6C-4D81-410A-B035-5AF33FFFD8DE}" destId="{7760CA20-0D12-41AD-BEB6-137CD4507238}" srcOrd="0" destOrd="0" presId="urn:microsoft.com/office/officeart/2005/8/layout/hList1"/>
+    <dgm:cxn modelId="{7576D0BE-CC31-4151-9C8C-A063F9ED69A0}" srcId="{BCC37322-4F5E-4C1A-83E7-405D449C4AC3}" destId="{A5CCCA59-B7C0-4672-8102-9A0D58F3DA3B}" srcOrd="0" destOrd="0" parTransId="{BDDCFC62-61D3-4453-859E-A2F26E40A13A}" sibTransId="{E9F36EE1-22B4-4335-949B-743F96A7F67B}"/>
     <dgm:cxn modelId="{2219CD6C-EA28-4FA1-837A-B08E3188F71D}" type="presOf" srcId="{BCC37322-4F5E-4C1A-83E7-405D449C4AC3}" destId="{5C2D9F85-946A-405C-96B3-FB8C6870C7DA}" srcOrd="0" destOrd="0" presId="urn:microsoft.com/office/officeart/2005/8/layout/hList1"/>
-    <dgm:cxn modelId="{7576D0BE-CC31-4151-9C8C-A063F9ED69A0}" srcId="{BCC37322-4F5E-4C1A-83E7-405D449C4AC3}" destId="{A5CCCA59-B7C0-4672-8102-9A0D58F3DA3B}" srcOrd="0" destOrd="0" parTransId="{BDDCFC62-61D3-4453-859E-A2F26E40A13A}" sibTransId="{E9F36EE1-22B4-4335-949B-743F96A7F67B}"/>
-    <dgm:cxn modelId="{C9B1C77D-5DF1-4387-9AA7-46A3726701A7}" srcId="{CC61998E-51E8-467B-B4EA-3D5D08DC68DA}" destId="{E5F5DF6C-4D81-410A-B035-5AF33FFFD8DE}" srcOrd="0" destOrd="0" parTransId="{57CE0693-166D-483D-B96D-4EE3A0D8BC8C}" sibTransId="{83686B22-5DA6-404A-8242-1272C5068545}"/>
-    <dgm:cxn modelId="{4137EE4A-9E93-4918-BB4F-2E3C1E910EC8}" srcId="{EB8C3C1B-75D6-45A1-9E8C-A5C13FED6FD8}" destId="{BCC37322-4F5E-4C1A-83E7-405D449C4AC3}" srcOrd="2" destOrd="0" parTransId="{6362B408-3E9D-4387-B125-B1993C1CE19F}" sibTransId="{176A59AA-C0AB-4745-811D-87E72A2C03F9}"/>
-    <dgm:cxn modelId="{6E4DEB54-13D3-4417-96F3-793AA09F268A}" srcId="{EB8C3C1B-75D6-45A1-9E8C-A5C13FED6FD8}" destId="{C22B3DDF-9EE2-4099-87FE-6DC0C5138D86}" srcOrd="0" destOrd="0" parTransId="{EAF9D53D-0A86-4294-A19C-D128E8FFADF4}" sibTransId="{DD6606D0-1E39-4604-8377-C640C8F4191B}"/>
-    <dgm:cxn modelId="{11D1D9FE-6DE7-4B1B-BC55-EB6873C3A98A}" type="presOf" srcId="{73B6B15B-2F54-4A9A-AD78-6FFA16D0DB9A}" destId="{3F1D0AE2-7C7E-4C64-A542-DDDDA650DE8E}" srcOrd="0" destOrd="0" presId="urn:microsoft.com/office/officeart/2005/8/layout/hList1"/>
-    <dgm:cxn modelId="{EE3E9A94-F6F5-4ABF-AA59-71A5C9F57BFE}" type="presOf" srcId="{EB8C3C1B-75D6-45A1-9E8C-A5C13FED6FD8}" destId="{1BA96CA6-32E8-48C7-9B3B-24636929EE0F}" srcOrd="0" destOrd="0" presId="urn:microsoft.com/office/officeart/2005/8/layout/hList1"/>
-    <dgm:cxn modelId="{E0E09241-63FE-44BD-B62D-10DF64F7B1BC}" type="presOf" srcId="{E5F5DF6C-4D81-410A-B035-5AF33FFFD8DE}" destId="{7760CA20-0D12-41AD-BEB6-137CD4507238}" srcOrd="0" destOrd="0" presId="urn:microsoft.com/office/officeart/2005/8/layout/hList1"/>
-    <dgm:cxn modelId="{9B1FAAC5-2EFA-4A3A-ABE9-3D0AC93E885D}" type="presOf" srcId="{C22B3DDF-9EE2-4099-87FE-6DC0C5138D86}" destId="{C4CAFCEE-7294-472D-B440-9472EC0FC3ED}" srcOrd="0" destOrd="0" presId="urn:microsoft.com/office/officeart/2005/8/layout/hList1"/>
-    <dgm:cxn modelId="{66277637-D10A-4286-9B91-B5D5D9768ECD}" srcId="{EB8C3C1B-75D6-45A1-9E8C-A5C13FED6FD8}" destId="{CC61998E-51E8-467B-B4EA-3D5D08DC68DA}" srcOrd="1" destOrd="0" parTransId="{1F015C11-325A-40A1-B3EA-909A55AC5B1D}" sibTransId="{094BEE28-829A-45FF-9B68-B67642857787}"/>
     <dgm:cxn modelId="{DE24B769-1A4D-4F13-8F64-C09818D3F5F8}" type="presParOf" srcId="{1BA96CA6-32E8-48C7-9B3B-24636929EE0F}" destId="{81634E33-80A5-4E12-BB40-9E69161512C9}" srcOrd="0" destOrd="0" presId="urn:microsoft.com/office/officeart/2005/8/layout/hList1"/>
     <dgm:cxn modelId="{BA2466F3-55B1-4D71-801C-4F9008B09DA9}" type="presParOf" srcId="{81634E33-80A5-4E12-BB40-9E69161512C9}" destId="{C4CAFCEE-7294-472D-B440-9472EC0FC3ED}" srcOrd="0" destOrd="0" presId="urn:microsoft.com/office/officeart/2005/8/layout/hList1"/>
     <dgm:cxn modelId="{B0028E26-154F-4706-9016-591EF49B75C2}" type="presParOf" srcId="{81634E33-80A5-4E12-BB40-9E69161512C9}" destId="{3F1D0AE2-7C7E-4C64-A542-DDDDA650DE8E}" srcOrd="1" destOrd="0" presId="urn:microsoft.com/office/officeart/2005/8/layout/hList1"/>
@@ -6472,8 +6507,8 @@
         </p:nvGrpSpPr>
         <p:grpSpPr>
           <a:xfrm>
-            <a:off x="200472" y="1168786"/>
-            <a:ext cx="7560840" cy="3873809"/>
+            <a:off x="1902767" y="1207557"/>
+            <a:ext cx="6310591" cy="3873809"/>
             <a:chOff x="1397987" y="1"/>
             <a:chExt cx="7068937" cy="5468112"/>
           </a:xfrm>
@@ -6792,7 +6827,7 @@
           <p:nvPr/>
         </p:nvPicPr>
         <p:blipFill>
-          <a:blip r:embed="rId6">
+          <a:blip r:embed="rId6" cstate="print">
             <a:extLst>
               <a:ext uri="{28A0092B-C50C-407E-A947-70E740481C1C}">
                 <a14:useLocalDpi xmlns:a14="http://schemas.microsoft.com/office/drawing/2010/main" val="0"/>
@@ -6806,8 +6841,8 @@
         </p:blipFill>
         <p:spPr bwMode="auto">
           <a:xfrm>
-            <a:off x="6841555" y="1963897"/>
-            <a:ext cx="3759647" cy="2664389"/>
+            <a:off x="7212916" y="2736355"/>
+            <a:ext cx="3234965" cy="2292557"/>
           </a:xfrm>
           <a:prstGeom prst="rect">
             <a:avLst/>
@@ -6846,6 +6881,122 @@
           </a:graphicData>
         </a:graphic>
       </p:graphicFrame>
+      <p:pic>
+        <p:nvPicPr>
+          <p:cNvPr id="14" name="Picture 2" descr="C:\Users\Yusuke\Desktop\Queryちゃん@Survior エフェクトなし.png"/>
+          <p:cNvPicPr>
+            <a:picLocks noChangeAspect="1" noChangeArrowheads="1"/>
+          </p:cNvPicPr>
+          <p:nvPr/>
+        </p:nvPicPr>
+        <p:blipFill>
+          <a:blip r:embed="rId12">
+            <a:extLst>
+              <a:ext uri="{28A0092B-C50C-407E-A947-70E740481C1C}">
+                <a14:useLocalDpi xmlns:a14="http://schemas.microsoft.com/office/drawing/2010/main" val="0"/>
+              </a:ext>
+            </a:extLst>
+          </a:blip>
+          <a:srcRect/>
+          <a:stretch>
+            <a:fillRect/>
+          </a:stretch>
+        </p:blipFill>
+        <p:spPr bwMode="auto">
+          <a:xfrm rot="225919">
+            <a:off x="-1087052" y="1204789"/>
+            <a:ext cx="4160906" cy="2592356"/>
+          </a:xfrm>
+          <a:prstGeom prst="rect">
+            <a:avLst/>
+          </a:prstGeom>
+          <a:noFill/>
+          <a:extLst>
+            <a:ext uri="{909E8E84-426E-40DD-AFC4-6F175D3DCCD1}">
+              <a14:hiddenFill xmlns:a14="http://schemas.microsoft.com/office/drawing/2010/main">
+                <a:solidFill>
+                  <a:srgbClr val="FFFFFF"/>
+                </a:solidFill>
+              </a14:hiddenFill>
+            </a:ext>
+          </a:extLst>
+        </p:spPr>
+      </p:pic>
+      <p:sp>
+        <p:nvSpPr>
+          <p:cNvPr id="15" name="テキスト ボックス 14"/>
+          <p:cNvSpPr txBox="1"/>
+          <p:nvPr/>
+        </p:nvSpPr>
+        <p:spPr>
+          <a:xfrm rot="753124">
+            <a:off x="6889423" y="-873974"/>
+            <a:ext cx="2210862" cy="707886"/>
+          </a:xfrm>
+          <a:prstGeom prst="rect">
+            <a:avLst/>
+          </a:prstGeom>
+          <a:noFill/>
+          <a:ln>
+            <a:noFill/>
+          </a:ln>
+        </p:spPr>
+        <p:txBody>
+          <a:bodyPr wrap="none" rtlCol="0">
+            <a:spAutoFit/>
+          </a:bodyPr>
+          <a:lstStyle/>
+          <a:p>
+            <a:r>
+              <a:rPr kumimoji="1" lang="en-US" altLang="ja-JP" sz="4000" dirty="0" smtClean="0">
+                <a:ln w="10160">
+                  <a:solidFill>
+                    <a:schemeClr val="tx1">
+                      <a:lumMod val="95000"/>
+                      <a:lumOff val="5000"/>
+                    </a:schemeClr>
+                  </a:solidFill>
+                  <a:prstDash val="solid"/>
+                </a:ln>
+                <a:solidFill>
+                  <a:schemeClr val="bg1"/>
+                </a:solidFill>
+                <a:effectLst>
+                  <a:outerShdw blurRad="38100" dist="32000" dir="5400000" algn="tl">
+                    <a:srgbClr val="000000">
+                      <a:alpha val="30000"/>
+                    </a:srgbClr>
+                  </a:outerShdw>
+                </a:effectLst>
+                <a:latin typeface="Algerian" panose="04020705040A02060702" pitchFamily="82" charset="0"/>
+              </a:rPr>
+              <a:t>WANTED</a:t>
+            </a:r>
+            <a:endParaRPr kumimoji="1" lang="ja-JP" altLang="en-US" sz="4000" dirty="0">
+              <a:ln w="10160">
+                <a:solidFill>
+                  <a:schemeClr val="tx1">
+                    <a:lumMod val="95000"/>
+                    <a:lumOff val="5000"/>
+                  </a:schemeClr>
+                </a:solidFill>
+                <a:prstDash val="solid"/>
+              </a:ln>
+              <a:solidFill>
+                <a:schemeClr val="bg1"/>
+              </a:solidFill>
+              <a:effectLst>
+                <a:outerShdw blurRad="38100" dist="32000" dir="5400000" algn="tl">
+                  <a:srgbClr val="000000">
+                    <a:alpha val="30000"/>
+                  </a:srgbClr>
+                </a:outerShdw>
+              </a:effectLst>
+              <a:latin typeface="Algerian" panose="04020705040A02060702" pitchFamily="82" charset="0"/>
+            </a:endParaRPr>
+          </a:p>
+        </p:txBody>
+      </p:sp>
       <p:sp>
         <p:nvSpPr>
           <p:cNvPr id="13" name="テキスト ボックス 12"/>
@@ -6854,8 +7005,8 @@
         </p:nvSpPr>
         <p:spPr>
           <a:xfrm rot="511812">
-            <a:off x="664860" y="1138999"/>
-            <a:ext cx="2685351" cy="1446550"/>
+            <a:off x="16338" y="1764628"/>
+            <a:ext cx="2672526" cy="1446550"/>
           </a:xfrm>
           <a:prstGeom prst="rect">
             <a:avLst/>
@@ -6878,6 +7029,8 @@
                 <a:solidFill>
                   <a:srgbClr val="FF0000"/>
                 </a:solidFill>
+                <a:latin typeface="HG正楷書体-PRO" panose="03000600000000000000" pitchFamily="66" charset="-128"/>
+                <a:ea typeface="HG正楷書体-PRO" panose="03000600000000000000" pitchFamily="66" charset="-128"/>
               </a:rPr>
               <a:t>近づいて</a:t>
             </a:r>
@@ -6890,6 +7043,8 @@
               <a:solidFill>
                 <a:srgbClr val="FF0000"/>
               </a:solidFill>
+              <a:latin typeface="HG正楷書体-PRO" panose="03000600000000000000" pitchFamily="66" charset="-128"/>
+              <a:ea typeface="HG正楷書体-PRO" panose="03000600000000000000" pitchFamily="66" charset="-128"/>
             </a:endParaRPr>
           </a:p>
           <a:p>
@@ -6903,6 +7058,8 @@
                 <a:solidFill>
                   <a:srgbClr val="FF0000"/>
                 </a:solidFill>
+                <a:latin typeface="HG正楷書体-PRO" panose="03000600000000000000" pitchFamily="66" charset="-128"/>
+                <a:ea typeface="HG正楷書体-PRO" panose="03000600000000000000" pitchFamily="66" charset="-128"/>
               </a:rPr>
               <a:t>	</a:t>
             </a:r>
@@ -6916,6 +7073,8 @@
                 <a:solidFill>
                   <a:srgbClr val="FF0000"/>
                 </a:solidFill>
+                <a:latin typeface="HG正楷書体-PRO" panose="03000600000000000000" pitchFamily="66" charset="-128"/>
+                <a:ea typeface="HG正楷書体-PRO" panose="03000600000000000000" pitchFamily="66" charset="-128"/>
               </a:rPr>
               <a:t>殴れ</a:t>
             </a:r>
@@ -6929,6 +7088,8 @@
                 <a:solidFill>
                   <a:srgbClr val="FF0000"/>
                 </a:solidFill>
+                <a:latin typeface="HG正楷書体-PRO" panose="03000600000000000000" pitchFamily="66" charset="-128"/>
+                <a:ea typeface="HG正楷書体-PRO" panose="03000600000000000000" pitchFamily="66" charset="-128"/>
               </a:rPr>
               <a:t>!?</a:t>
             </a:r>
@@ -6941,6 +7102,8 @@
               <a:solidFill>
                 <a:srgbClr val="FF0000"/>
               </a:solidFill>
+              <a:latin typeface="HG正楷書体-PRO" panose="03000600000000000000" pitchFamily="66" charset="-128"/>
+              <a:ea typeface="HG正楷書体-PRO" panose="03000600000000000000" pitchFamily="66" charset="-128"/>
             </a:endParaRPr>
           </a:p>
         </p:txBody>

--- a/説明書.pptx
+++ b/説明書.pptx
@@ -1293,7 +1293,7 @@
   <dgm:whole/>
   <dgm:extLst>
     <a:ext uri="http://schemas.microsoft.com/office/drawing/2008/diagram">
-      <dsp:dataModelExt xmlns:dsp="http://schemas.microsoft.com/office/drawing/2008/diagram" relId="rId11" minVer="http://schemas.openxmlformats.org/drawingml/2006/diagram"/>
+      <dsp:dataModelExt xmlns:dsp="http://schemas.microsoft.com/office/drawing/2008/diagram" relId="rId9" minVer="http://schemas.openxmlformats.org/drawingml/2006/diagram"/>
     </a:ext>
   </dgm:extLst>
 </dgm:dataModel>
@@ -3233,7 +3233,7 @@
           <a:p>
             <a:fld id="{52CB16DE-4144-4CD2-832B-4C6581132D8F}" type="datetimeFigureOut">
               <a:rPr kumimoji="1" lang="ja-JP" altLang="en-US" smtClean="0"/>
-              <a:t>2015/2/2</a:t>
+              <a:t>2015/2/5</a:t>
             </a:fld>
             <a:endParaRPr kumimoji="1" lang="ja-JP" altLang="en-US"/>
           </a:p>
@@ -3435,7 +3435,7 @@
           <a:p>
             <a:fld id="{52CB16DE-4144-4CD2-832B-4C6581132D8F}" type="datetimeFigureOut">
               <a:rPr kumimoji="1" lang="ja-JP" altLang="en-US" smtClean="0"/>
-              <a:t>2015/2/2</a:t>
+              <a:t>2015/2/5</a:t>
             </a:fld>
             <a:endParaRPr kumimoji="1" lang="ja-JP" altLang="en-US"/>
           </a:p>
@@ -3647,7 +3647,7 @@
           <a:p>
             <a:fld id="{52CB16DE-4144-4CD2-832B-4C6581132D8F}" type="datetimeFigureOut">
               <a:rPr kumimoji="1" lang="ja-JP" altLang="en-US" smtClean="0"/>
-              <a:t>2015/2/2</a:t>
+              <a:t>2015/2/5</a:t>
             </a:fld>
             <a:endParaRPr kumimoji="1" lang="ja-JP" altLang="en-US"/>
           </a:p>
@@ -3849,7 +3849,7 @@
           <a:p>
             <a:fld id="{52CB16DE-4144-4CD2-832B-4C6581132D8F}" type="datetimeFigureOut">
               <a:rPr kumimoji="1" lang="ja-JP" altLang="en-US" smtClean="0"/>
-              <a:t>2015/2/2</a:t>
+              <a:t>2015/2/5</a:t>
             </a:fld>
             <a:endParaRPr kumimoji="1" lang="ja-JP" altLang="en-US"/>
           </a:p>
@@ -4095,7 +4095,7 @@
           <a:p>
             <a:fld id="{52CB16DE-4144-4CD2-832B-4C6581132D8F}" type="datetimeFigureOut">
               <a:rPr kumimoji="1" lang="ja-JP" altLang="en-US" smtClean="0"/>
-              <a:t>2015/2/2</a:t>
+              <a:t>2015/2/5</a:t>
             </a:fld>
             <a:endParaRPr kumimoji="1" lang="ja-JP" altLang="en-US"/>
           </a:p>
@@ -4447,7 +4447,7 @@
           <a:p>
             <a:fld id="{52CB16DE-4144-4CD2-832B-4C6581132D8F}" type="datetimeFigureOut">
               <a:rPr kumimoji="1" lang="ja-JP" altLang="en-US" smtClean="0"/>
-              <a:t>2015/2/2</a:t>
+              <a:t>2015/2/5</a:t>
             </a:fld>
             <a:endParaRPr kumimoji="1" lang="ja-JP" altLang="en-US"/>
           </a:p>
@@ -4933,7 +4933,7 @@
           <a:p>
             <a:fld id="{52CB16DE-4144-4CD2-832B-4C6581132D8F}" type="datetimeFigureOut">
               <a:rPr kumimoji="1" lang="ja-JP" altLang="en-US" smtClean="0"/>
-              <a:t>2015/2/2</a:t>
+              <a:t>2015/2/5</a:t>
             </a:fld>
             <a:endParaRPr kumimoji="1" lang="ja-JP" altLang="en-US"/>
           </a:p>
@@ -5051,7 +5051,7 @@
           <a:p>
             <a:fld id="{52CB16DE-4144-4CD2-832B-4C6581132D8F}" type="datetimeFigureOut">
               <a:rPr kumimoji="1" lang="ja-JP" altLang="en-US" smtClean="0"/>
-              <a:t>2015/2/2</a:t>
+              <a:t>2015/2/5</a:t>
             </a:fld>
             <a:endParaRPr kumimoji="1" lang="ja-JP" altLang="en-US"/>
           </a:p>
@@ -5146,7 +5146,7 @@
           <a:p>
             <a:fld id="{52CB16DE-4144-4CD2-832B-4C6581132D8F}" type="datetimeFigureOut">
               <a:rPr kumimoji="1" lang="ja-JP" altLang="en-US" smtClean="0"/>
-              <a:t>2015/2/2</a:t>
+              <a:t>2015/2/5</a:t>
             </a:fld>
             <a:endParaRPr kumimoji="1" lang="ja-JP" altLang="en-US"/>
           </a:p>
@@ -5455,7 +5455,7 @@
           <a:p>
             <a:fld id="{52CB16DE-4144-4CD2-832B-4C6581132D8F}" type="datetimeFigureOut">
               <a:rPr kumimoji="1" lang="ja-JP" altLang="en-US" smtClean="0"/>
-              <a:t>2015/2/2</a:t>
+              <a:t>2015/2/5</a:t>
             </a:fld>
             <a:endParaRPr kumimoji="1" lang="ja-JP" altLang="en-US"/>
           </a:p>
@@ -5708,7 +5708,7 @@
           <a:p>
             <a:fld id="{52CB16DE-4144-4CD2-832B-4C6581132D8F}" type="datetimeFigureOut">
               <a:rPr kumimoji="1" lang="ja-JP" altLang="en-US" smtClean="0"/>
-              <a:t>2015/2/2</a:t>
+              <a:t>2015/2/5</a:t>
             </a:fld>
             <a:endParaRPr kumimoji="1" lang="ja-JP" altLang="en-US"/>
           </a:p>
@@ -5953,7 +5953,7 @@
           <a:p>
             <a:fld id="{52CB16DE-4144-4CD2-832B-4C6581132D8F}" type="datetimeFigureOut">
               <a:rPr kumimoji="1" lang="ja-JP" altLang="en-US" smtClean="0"/>
-              <a:t>2015/2/2</a:t>
+              <a:t>2015/2/5</a:t>
             </a:fld>
             <a:endParaRPr kumimoji="1" lang="ja-JP" altLang="en-US"/>
           </a:p>
@@ -6499,30 +6499,52 @@
           </a:extLst>
         </p:spPr>
       </p:pic>
+      <p:graphicFrame>
+        <p:nvGraphicFramePr>
+          <p:cNvPr id="12" name="図表 11"/>
+          <p:cNvGraphicFramePr/>
+          <p:nvPr>
+            <p:extLst>
+              <p:ext uri="{D42A27DB-BD31-4B8C-83A1-F6EECF244321}">
+                <p14:modId xmlns:p14="http://schemas.microsoft.com/office/powerpoint/2010/main" val="1093869771"/>
+              </p:ext>
+            </p:extLst>
+          </p:nvPr>
+        </p:nvGraphicFramePr>
+        <p:xfrm>
+          <a:off x="0" y="5042595"/>
+          <a:ext cx="9906000" cy="1841733"/>
+        </p:xfrm>
+        <a:graphic>
+          <a:graphicData uri="http://schemas.openxmlformats.org/drawingml/2006/diagram">
+            <dgm:relIds xmlns:dgm="http://schemas.openxmlformats.org/drawingml/2006/diagram" xmlns:r="http://schemas.openxmlformats.org/officeDocument/2006/relationships" r:dm="rId5" r:lo="rId6" r:qs="rId7" r:cs="rId8"/>
+          </a:graphicData>
+        </a:graphic>
+      </p:graphicFrame>
       <p:grpSp>
         <p:nvGrpSpPr>
-          <p:cNvPr id="18" name="グループ化 17"/>
+          <p:cNvPr id="17" name="グループ化 16"/>
           <p:cNvGrpSpPr/>
           <p:nvPr/>
         </p:nvGrpSpPr>
         <p:grpSpPr>
           <a:xfrm>
-            <a:off x="1902767" y="1207557"/>
-            <a:ext cx="6310591" cy="3873809"/>
-            <a:chOff x="1397987" y="1"/>
-            <a:chExt cx="7068937" cy="5468112"/>
+            <a:off x="1568624" y="1191151"/>
+            <a:ext cx="6912768" cy="3822025"/>
+            <a:chOff x="-1135237" y="3930971"/>
+            <a:chExt cx="6674847" cy="3648891"/>
           </a:xfrm>
         </p:grpSpPr>
         <p:pic>
           <p:nvPicPr>
-            <p:cNvPr id="3" name="Picture 4" descr="C:\Users\Yusuke\Desktop\hp.jpg"/>
+            <p:cNvPr id="1027" name="Picture 3" descr="C:\Users\Yusuke\Documents\GitHub\testRpoji\SS\SS2.png"/>
             <p:cNvPicPr>
               <a:picLocks noChangeAspect="1" noChangeArrowheads="1"/>
             </p:cNvPicPr>
             <p:nvPr/>
           </p:nvPicPr>
           <p:blipFill>
-            <a:blip r:embed="rId5" cstate="print">
+            <a:blip r:embed="rId10">
               <a:extLst>
                 <a:ext uri="{28A0092B-C50C-407E-A947-70E740481C1C}">
                   <a14:useLocalDpi xmlns:a14="http://schemas.microsoft.com/office/drawing/2010/main" val="0"/>
@@ -6536,8 +6558,8 @@
           </p:blipFill>
           <p:spPr bwMode="auto">
             <a:xfrm>
-              <a:off x="1397987" y="1"/>
-              <a:ext cx="7068937" cy="5468112"/>
+              <a:off x="-1135237" y="3930971"/>
+              <a:ext cx="6674847" cy="3648891"/>
             </a:xfrm>
             <a:prstGeom prst="rect">
               <a:avLst/>
@@ -6562,8 +6584,8 @@
           </p:nvSpPr>
           <p:spPr>
             <a:xfrm>
-              <a:off x="7569425" y="279335"/>
-              <a:ext cx="802386" cy="3980688"/>
+              <a:off x="4448944" y="4037936"/>
+              <a:ext cx="936104" cy="3423512"/>
             </a:xfrm>
             <a:prstGeom prst="rect">
               <a:avLst/>
@@ -6606,47 +6628,39 @@
         </p:sp>
         <p:sp>
           <p:nvSpPr>
-            <p:cNvPr id="6" name="正方形/長方形 5"/>
-            <p:cNvSpPr/>
+            <p:cNvPr id="11" name="テキスト ボックス 10"/>
+            <p:cNvSpPr txBox="1"/>
             <p:nvPr/>
           </p:nvSpPr>
           <p:spPr>
             <a:xfrm>
-              <a:off x="1477235" y="4162488"/>
-              <a:ext cx="1089660" cy="1195897"/>
+              <a:off x="4016767" y="6469649"/>
+              <a:ext cx="733994" cy="776701"/>
             </a:xfrm>
             <a:prstGeom prst="rect">
               <a:avLst/>
             </a:prstGeom>
             <a:noFill/>
-            <a:ln w="34925">
-              <a:solidFill>
-                <a:srgbClr val="FF0000"/>
-              </a:solidFill>
-            </a:ln>
           </p:spPr>
-          <p:style>
-            <a:lnRef idx="2">
-              <a:schemeClr val="accent1">
-                <a:shade val="50000"/>
-              </a:schemeClr>
-            </a:lnRef>
-            <a:fillRef idx="1">
-              <a:schemeClr val="accent1"/>
-            </a:fillRef>
-            <a:effectRef idx="0">
-              <a:schemeClr val="accent1"/>
-            </a:effectRef>
-            <a:fontRef idx="minor">
-              <a:schemeClr val="lt1"/>
-            </a:fontRef>
-          </p:style>
           <p:txBody>
-            <a:bodyPr rtlCol="0" anchor="ctr"/>
+            <a:bodyPr wrap="square" rtlCol="0">
+              <a:spAutoFit/>
+            </a:bodyPr>
             <a:lstStyle/>
             <a:p>
-              <a:pPr algn="ctr"/>
-              <a:endParaRPr kumimoji="1" lang="ja-JP" altLang="en-US"/>
+              <a:r>
+                <a:rPr kumimoji="1" lang="ja-JP" altLang="en-US" sz="6000" b="1" dirty="0" smtClean="0">
+                  <a:solidFill>
+                    <a:srgbClr val="FFFF00"/>
+                  </a:solidFill>
+                </a:rPr>
+                <a:t>③</a:t>
+              </a:r>
+              <a:endParaRPr kumimoji="1" lang="ja-JP" altLang="en-US" sz="6000" b="1" dirty="0">
+                <a:solidFill>
+                  <a:srgbClr val="FFFF00"/>
+                </a:solidFill>
+              </a:endParaRPr>
             </a:p>
           </p:txBody>
         </p:sp>
@@ -6658,8 +6672,8 @@
           </p:nvSpPr>
           <p:spPr>
             <a:xfrm>
-              <a:off x="3250409" y="2614104"/>
-              <a:ext cx="1178814" cy="777433"/>
+              <a:off x="1029729" y="5295274"/>
+              <a:ext cx="1052352" cy="550762"/>
             </a:xfrm>
             <a:prstGeom prst="rect">
               <a:avLst/>
@@ -6702,52 +6716,14 @@
         </p:sp>
         <p:sp>
           <p:nvSpPr>
-            <p:cNvPr id="9" name="テキスト ボックス 8"/>
-            <p:cNvSpPr txBox="1"/>
-            <p:nvPr/>
-          </p:nvSpPr>
-          <p:spPr>
-            <a:xfrm>
-              <a:off x="2198547" y="3624430"/>
-              <a:ext cx="822198" cy="1096359"/>
-            </a:xfrm>
-            <a:prstGeom prst="rect">
-              <a:avLst/>
-            </a:prstGeom>
-            <a:noFill/>
-          </p:spPr>
-          <p:txBody>
-            <a:bodyPr wrap="square" rtlCol="0">
-              <a:spAutoFit/>
-            </a:bodyPr>
-            <a:lstStyle/>
-            <a:p>
-              <a:r>
-                <a:rPr kumimoji="1" lang="ja-JP" altLang="en-US" sz="6000" b="1" dirty="0" smtClean="0">
-                  <a:solidFill>
-                    <a:srgbClr val="FFFF00"/>
-                  </a:solidFill>
-                </a:rPr>
-                <a:t>①</a:t>
-              </a:r>
-              <a:endParaRPr kumimoji="1" lang="ja-JP" altLang="en-US" sz="6000" b="1" dirty="0">
-                <a:solidFill>
-                  <a:srgbClr val="FFFF00"/>
-                </a:solidFill>
-              </a:endParaRPr>
-            </a:p>
-          </p:txBody>
-        </p:sp>
-        <p:sp>
-          <p:nvSpPr>
             <p:cNvPr id="10" name="テキスト ボックス 9"/>
             <p:cNvSpPr txBox="1"/>
             <p:nvPr/>
           </p:nvSpPr>
           <p:spPr>
             <a:xfrm>
-              <a:off x="4078977" y="3002819"/>
-              <a:ext cx="822198" cy="1096360"/>
+              <a:off x="1188908" y="5570655"/>
+              <a:ext cx="733994" cy="776701"/>
             </a:xfrm>
             <a:prstGeom prst="rect">
               <a:avLst/>
@@ -6781,14 +6757,60 @@
         </p:sp>
         <p:sp>
           <p:nvSpPr>
-            <p:cNvPr id="11" name="テキスト ボックス 10"/>
+            <p:cNvPr id="6" name="正方形/長方形 5"/>
+            <p:cNvSpPr/>
+            <p:nvPr/>
+          </p:nvSpPr>
+          <p:spPr>
+            <a:xfrm>
+              <a:off x="-303584" y="6165304"/>
+              <a:ext cx="972763" cy="847217"/>
+            </a:xfrm>
+            <a:prstGeom prst="rect">
+              <a:avLst/>
+            </a:prstGeom>
+            <a:noFill/>
+            <a:ln w="34925">
+              <a:solidFill>
+                <a:srgbClr val="FF0000"/>
+              </a:solidFill>
+            </a:ln>
+          </p:spPr>
+          <p:style>
+            <a:lnRef idx="2">
+              <a:schemeClr val="accent1">
+                <a:shade val="50000"/>
+              </a:schemeClr>
+            </a:lnRef>
+            <a:fillRef idx="1">
+              <a:schemeClr val="accent1"/>
+            </a:fillRef>
+            <a:effectRef idx="0">
+              <a:schemeClr val="accent1"/>
+            </a:effectRef>
+            <a:fontRef idx="minor">
+              <a:schemeClr val="lt1"/>
+            </a:fontRef>
+          </p:style>
+          <p:txBody>
+            <a:bodyPr rtlCol="0" anchor="ctr"/>
+            <a:lstStyle/>
+            <a:p>
+              <a:pPr algn="ctr"/>
+              <a:endParaRPr kumimoji="1" lang="ja-JP" altLang="en-US"/>
+            </a:p>
+          </p:txBody>
+        </p:sp>
+        <p:sp>
+          <p:nvSpPr>
+            <p:cNvPr id="9" name="テキスト ボックス 8"/>
             <p:cNvSpPr txBox="1"/>
             <p:nvPr/>
           </p:nvSpPr>
           <p:spPr>
             <a:xfrm>
-              <a:off x="6851167" y="3776031"/>
-              <a:ext cx="822198" cy="1096360"/>
+              <a:off x="-317498" y="5388603"/>
+              <a:ext cx="733994" cy="776701"/>
             </a:xfrm>
             <a:prstGeom prst="rect">
               <a:avLst/>
@@ -6807,7 +6829,7 @@
                     <a:srgbClr val="FFFF00"/>
                   </a:solidFill>
                 </a:rPr>
-                <a:t>③</a:t>
+                <a:t>①</a:t>
               </a:r>
               <a:endParaRPr kumimoji="1" lang="ja-JP" altLang="en-US" sz="6000" b="1" dirty="0">
                 <a:solidFill>
@@ -6827,7 +6849,7 @@
           <p:nvPr/>
         </p:nvPicPr>
         <p:blipFill>
-          <a:blip r:embed="rId6" cstate="print">
+          <a:blip r:embed="rId11" cstate="print">
             <a:extLst>
               <a:ext uri="{28A0092B-C50C-407E-A947-70E740481C1C}">
                 <a14:useLocalDpi xmlns:a14="http://schemas.microsoft.com/office/drawing/2010/main" val="0"/>
@@ -6859,28 +6881,6 @@
           </a:extLst>
         </p:spPr>
       </p:pic>
-      <p:graphicFrame>
-        <p:nvGraphicFramePr>
-          <p:cNvPr id="12" name="図表 11"/>
-          <p:cNvGraphicFramePr/>
-          <p:nvPr>
-            <p:extLst>
-              <p:ext uri="{D42A27DB-BD31-4B8C-83A1-F6EECF244321}">
-                <p14:modId xmlns:p14="http://schemas.microsoft.com/office/powerpoint/2010/main" val="1093869771"/>
-              </p:ext>
-            </p:extLst>
-          </p:nvPr>
-        </p:nvGraphicFramePr>
-        <p:xfrm>
-          <a:off x="0" y="5042595"/>
-          <a:ext cx="9906000" cy="1841733"/>
-        </p:xfrm>
-        <a:graphic>
-          <a:graphicData uri="http://schemas.openxmlformats.org/drawingml/2006/diagram">
-            <dgm:relIds xmlns:dgm="http://schemas.openxmlformats.org/drawingml/2006/diagram" xmlns:r="http://schemas.openxmlformats.org/officeDocument/2006/relationships" r:dm="rId7" r:lo="rId8" r:qs="rId9" r:cs="rId10"/>
-          </a:graphicData>
-        </a:graphic>
-      </p:graphicFrame>
       <p:pic>
         <p:nvPicPr>
           <p:cNvPr id="14" name="Picture 2" descr="C:\Users\Yusuke\Desktop\Queryちゃん@Survior エフェクトなし.png"/>
@@ -6904,7 +6904,7 @@
         </p:blipFill>
         <p:spPr bwMode="auto">
           <a:xfrm rot="225919">
-            <a:off x="-1087052" y="1204789"/>
+            <a:off x="-1039878" y="1003648"/>
             <a:ext cx="4160906" cy="2592356"/>
           </a:xfrm>
           <a:prstGeom prst="rect">
@@ -6924,88 +6924,13 @@
       </p:pic>
       <p:sp>
         <p:nvSpPr>
-          <p:cNvPr id="15" name="テキスト ボックス 14"/>
-          <p:cNvSpPr txBox="1"/>
-          <p:nvPr/>
-        </p:nvSpPr>
-        <p:spPr>
-          <a:xfrm rot="753124">
-            <a:off x="6889423" y="-873974"/>
-            <a:ext cx="2210862" cy="707886"/>
-          </a:xfrm>
-          <a:prstGeom prst="rect">
-            <a:avLst/>
-          </a:prstGeom>
-          <a:noFill/>
-          <a:ln>
-            <a:noFill/>
-          </a:ln>
-        </p:spPr>
-        <p:txBody>
-          <a:bodyPr wrap="none" rtlCol="0">
-            <a:spAutoFit/>
-          </a:bodyPr>
-          <a:lstStyle/>
-          <a:p>
-            <a:r>
-              <a:rPr kumimoji="1" lang="en-US" altLang="ja-JP" sz="4000" dirty="0" smtClean="0">
-                <a:ln w="10160">
-                  <a:solidFill>
-                    <a:schemeClr val="tx1">
-                      <a:lumMod val="95000"/>
-                      <a:lumOff val="5000"/>
-                    </a:schemeClr>
-                  </a:solidFill>
-                  <a:prstDash val="solid"/>
-                </a:ln>
-                <a:solidFill>
-                  <a:schemeClr val="bg1"/>
-                </a:solidFill>
-                <a:effectLst>
-                  <a:outerShdw blurRad="38100" dist="32000" dir="5400000" algn="tl">
-                    <a:srgbClr val="000000">
-                      <a:alpha val="30000"/>
-                    </a:srgbClr>
-                  </a:outerShdw>
-                </a:effectLst>
-                <a:latin typeface="Algerian" panose="04020705040A02060702" pitchFamily="82" charset="0"/>
-              </a:rPr>
-              <a:t>WANTED</a:t>
-            </a:r>
-            <a:endParaRPr kumimoji="1" lang="ja-JP" altLang="en-US" sz="4000" dirty="0">
-              <a:ln w="10160">
-                <a:solidFill>
-                  <a:schemeClr val="tx1">
-                    <a:lumMod val="95000"/>
-                    <a:lumOff val="5000"/>
-                  </a:schemeClr>
-                </a:solidFill>
-                <a:prstDash val="solid"/>
-              </a:ln>
-              <a:solidFill>
-                <a:schemeClr val="bg1"/>
-              </a:solidFill>
-              <a:effectLst>
-                <a:outerShdw blurRad="38100" dist="32000" dir="5400000" algn="tl">
-                  <a:srgbClr val="000000">
-                    <a:alpha val="30000"/>
-                  </a:srgbClr>
-                </a:outerShdw>
-              </a:effectLst>
-              <a:latin typeface="Algerian" panose="04020705040A02060702" pitchFamily="82" charset="0"/>
-            </a:endParaRPr>
-          </a:p>
-        </p:txBody>
-      </p:sp>
-      <p:sp>
-        <p:nvSpPr>
           <p:cNvPr id="13" name="テキスト ボックス 12"/>
           <p:cNvSpPr txBox="1"/>
           <p:nvPr/>
         </p:nvSpPr>
         <p:spPr>
           <a:xfrm rot="511812">
-            <a:off x="16338" y="1764628"/>
+            <a:off x="-116284" y="1792242"/>
             <a:ext cx="2672526" cy="1446550"/>
           </a:xfrm>
           <a:prstGeom prst="rect">

--- a/説明書.pptx
+++ b/説明書.pptx
@@ -3233,7 +3233,7 @@
           <a:p>
             <a:fld id="{52CB16DE-4144-4CD2-832B-4C6581132D8F}" type="datetimeFigureOut">
               <a:rPr kumimoji="1" lang="ja-JP" altLang="en-US" smtClean="0"/>
-              <a:t>2015/2/5</a:t>
+              <a:t>2015/2/9</a:t>
             </a:fld>
             <a:endParaRPr kumimoji="1" lang="ja-JP" altLang="en-US"/>
           </a:p>
@@ -3435,7 +3435,7 @@
           <a:p>
             <a:fld id="{52CB16DE-4144-4CD2-832B-4C6581132D8F}" type="datetimeFigureOut">
               <a:rPr kumimoji="1" lang="ja-JP" altLang="en-US" smtClean="0"/>
-              <a:t>2015/2/5</a:t>
+              <a:t>2015/2/9</a:t>
             </a:fld>
             <a:endParaRPr kumimoji="1" lang="ja-JP" altLang="en-US"/>
           </a:p>
@@ -3647,7 +3647,7 @@
           <a:p>
             <a:fld id="{52CB16DE-4144-4CD2-832B-4C6581132D8F}" type="datetimeFigureOut">
               <a:rPr kumimoji="1" lang="ja-JP" altLang="en-US" smtClean="0"/>
-              <a:t>2015/2/5</a:t>
+              <a:t>2015/2/9</a:t>
             </a:fld>
             <a:endParaRPr kumimoji="1" lang="ja-JP" altLang="en-US"/>
           </a:p>
@@ -3849,7 +3849,7 @@
           <a:p>
             <a:fld id="{52CB16DE-4144-4CD2-832B-4C6581132D8F}" type="datetimeFigureOut">
               <a:rPr kumimoji="1" lang="ja-JP" altLang="en-US" smtClean="0"/>
-              <a:t>2015/2/5</a:t>
+              <a:t>2015/2/9</a:t>
             </a:fld>
             <a:endParaRPr kumimoji="1" lang="ja-JP" altLang="en-US"/>
           </a:p>
@@ -4095,7 +4095,7 @@
           <a:p>
             <a:fld id="{52CB16DE-4144-4CD2-832B-4C6581132D8F}" type="datetimeFigureOut">
               <a:rPr kumimoji="1" lang="ja-JP" altLang="en-US" smtClean="0"/>
-              <a:t>2015/2/5</a:t>
+              <a:t>2015/2/9</a:t>
             </a:fld>
             <a:endParaRPr kumimoji="1" lang="ja-JP" altLang="en-US"/>
           </a:p>
@@ -4447,7 +4447,7 @@
           <a:p>
             <a:fld id="{52CB16DE-4144-4CD2-832B-4C6581132D8F}" type="datetimeFigureOut">
               <a:rPr kumimoji="1" lang="ja-JP" altLang="en-US" smtClean="0"/>
-              <a:t>2015/2/5</a:t>
+              <a:t>2015/2/9</a:t>
             </a:fld>
             <a:endParaRPr kumimoji="1" lang="ja-JP" altLang="en-US"/>
           </a:p>
@@ -4933,7 +4933,7 @@
           <a:p>
             <a:fld id="{52CB16DE-4144-4CD2-832B-4C6581132D8F}" type="datetimeFigureOut">
               <a:rPr kumimoji="1" lang="ja-JP" altLang="en-US" smtClean="0"/>
-              <a:t>2015/2/5</a:t>
+              <a:t>2015/2/9</a:t>
             </a:fld>
             <a:endParaRPr kumimoji="1" lang="ja-JP" altLang="en-US"/>
           </a:p>
@@ -5051,7 +5051,7 @@
           <a:p>
             <a:fld id="{52CB16DE-4144-4CD2-832B-4C6581132D8F}" type="datetimeFigureOut">
               <a:rPr kumimoji="1" lang="ja-JP" altLang="en-US" smtClean="0"/>
-              <a:t>2015/2/5</a:t>
+              <a:t>2015/2/9</a:t>
             </a:fld>
             <a:endParaRPr kumimoji="1" lang="ja-JP" altLang="en-US"/>
           </a:p>
@@ -5146,7 +5146,7 @@
           <a:p>
             <a:fld id="{52CB16DE-4144-4CD2-832B-4C6581132D8F}" type="datetimeFigureOut">
               <a:rPr kumimoji="1" lang="ja-JP" altLang="en-US" smtClean="0"/>
-              <a:t>2015/2/5</a:t>
+              <a:t>2015/2/9</a:t>
             </a:fld>
             <a:endParaRPr kumimoji="1" lang="ja-JP" altLang="en-US"/>
           </a:p>
@@ -5455,7 +5455,7 @@
           <a:p>
             <a:fld id="{52CB16DE-4144-4CD2-832B-4C6581132D8F}" type="datetimeFigureOut">
               <a:rPr kumimoji="1" lang="ja-JP" altLang="en-US" smtClean="0"/>
-              <a:t>2015/2/5</a:t>
+              <a:t>2015/2/9</a:t>
             </a:fld>
             <a:endParaRPr kumimoji="1" lang="ja-JP" altLang="en-US"/>
           </a:p>
@@ -5708,7 +5708,7 @@
           <a:p>
             <a:fld id="{52CB16DE-4144-4CD2-832B-4C6581132D8F}" type="datetimeFigureOut">
               <a:rPr kumimoji="1" lang="ja-JP" altLang="en-US" smtClean="0"/>
-              <a:t>2015/2/5</a:t>
+              <a:t>2015/2/9</a:t>
             </a:fld>
             <a:endParaRPr kumimoji="1" lang="ja-JP" altLang="en-US"/>
           </a:p>
@@ -5953,7 +5953,7 @@
           <a:p>
             <a:fld id="{52CB16DE-4144-4CD2-832B-4C6581132D8F}" type="datetimeFigureOut">
               <a:rPr kumimoji="1" lang="ja-JP" altLang="en-US" smtClean="0"/>
-              <a:t>2015/2/5</a:t>
+              <a:t>2015/2/9</a:t>
             </a:fld>
             <a:endParaRPr kumimoji="1" lang="ja-JP" altLang="en-US"/>
           </a:p>
@@ -7033,6 +7033,278 @@
           </a:p>
         </p:txBody>
       </p:sp>
+      <p:sp>
+        <p:nvSpPr>
+          <p:cNvPr id="3" name="角丸四角形吹き出し 2"/>
+          <p:cNvSpPr/>
+          <p:nvPr/>
+        </p:nvSpPr>
+        <p:spPr>
+          <a:xfrm>
+            <a:off x="4095761" y="4509119"/>
+            <a:ext cx="1872208" cy="380023"/>
+          </a:xfrm>
+          <a:prstGeom prst="wedgeRoundRectCallout">
+            <a:avLst>
+              <a:gd name="adj1" fmla="val -66743"/>
+              <a:gd name="adj2" fmla="val 25105"/>
+              <a:gd name="adj3" fmla="val 16667"/>
+            </a:avLst>
+          </a:prstGeom>
+          <a:solidFill>
+            <a:schemeClr val="bg1"/>
+          </a:solidFill>
+          <a:ln>
+            <a:solidFill>
+              <a:schemeClr val="tx1"/>
+            </a:solidFill>
+          </a:ln>
+        </p:spPr>
+        <p:style>
+          <a:lnRef idx="2">
+            <a:schemeClr val="accent1">
+              <a:shade val="50000"/>
+            </a:schemeClr>
+          </a:lnRef>
+          <a:fillRef idx="1">
+            <a:schemeClr val="accent1"/>
+          </a:fillRef>
+          <a:effectRef idx="0">
+            <a:schemeClr val="accent1"/>
+          </a:effectRef>
+          <a:fontRef idx="minor">
+            <a:schemeClr val="lt1"/>
+          </a:fontRef>
+        </p:style>
+        <p:txBody>
+          <a:bodyPr rtlCol="0" anchor="ctr"/>
+          <a:lstStyle/>
+          <a:p>
+            <a:pPr algn="ctr"/>
+            <a:r>
+              <a:rPr kumimoji="1" lang="ja-JP" altLang="en-US" dirty="0" smtClean="0">
+                <a:solidFill>
+                  <a:sysClr val="windowText" lastClr="000000"/>
+                </a:solidFill>
+              </a:rPr>
+              <a:t>自機の</a:t>
+            </a:r>
+            <a:r>
+              <a:rPr kumimoji="1" lang="en-US" altLang="ja-JP" dirty="0" smtClean="0">
+                <a:solidFill>
+                  <a:sysClr val="windowText" lastClr="000000"/>
+                </a:solidFill>
+              </a:rPr>
+              <a:t>HP</a:t>
+            </a:r>
+            <a:endParaRPr kumimoji="1" lang="ja-JP" altLang="en-US" dirty="0">
+              <a:solidFill>
+                <a:sysClr val="windowText" lastClr="000000"/>
+              </a:solidFill>
+            </a:endParaRPr>
+          </a:p>
+        </p:txBody>
+      </p:sp>
+      <p:sp>
+        <p:nvSpPr>
+          <p:cNvPr id="19" name="角丸四角形吹き出し 18"/>
+          <p:cNvSpPr/>
+          <p:nvPr/>
+        </p:nvSpPr>
+        <p:spPr>
+          <a:xfrm>
+            <a:off x="4646672" y="3963376"/>
+            <a:ext cx="1872208" cy="409760"/>
+          </a:xfrm>
+          <a:prstGeom prst="wedgeRoundRectCallout">
+            <a:avLst>
+              <a:gd name="adj1" fmla="val 22147"/>
+              <a:gd name="adj2" fmla="val -122673"/>
+              <a:gd name="adj3" fmla="val 16667"/>
+            </a:avLst>
+          </a:prstGeom>
+          <a:solidFill>
+            <a:schemeClr val="bg1"/>
+          </a:solidFill>
+          <a:ln>
+            <a:solidFill>
+              <a:schemeClr val="tx1"/>
+            </a:solidFill>
+          </a:ln>
+        </p:spPr>
+        <p:style>
+          <a:lnRef idx="2">
+            <a:schemeClr val="accent1">
+              <a:shade val="50000"/>
+            </a:schemeClr>
+          </a:lnRef>
+          <a:fillRef idx="1">
+            <a:schemeClr val="accent1"/>
+          </a:fillRef>
+          <a:effectRef idx="0">
+            <a:schemeClr val="accent1"/>
+          </a:effectRef>
+          <a:fontRef idx="minor">
+            <a:schemeClr val="lt1"/>
+          </a:fontRef>
+        </p:style>
+        <p:txBody>
+          <a:bodyPr rtlCol="0" anchor="ctr"/>
+          <a:lstStyle/>
+          <a:p>
+            <a:pPr algn="ctr"/>
+            <a:r>
+              <a:rPr kumimoji="1" lang="ja-JP" altLang="en-US" dirty="0" smtClean="0">
+                <a:solidFill>
+                  <a:sysClr val="windowText" lastClr="000000"/>
+                </a:solidFill>
+              </a:rPr>
+              <a:t>敵攻撃の予兆</a:t>
+            </a:r>
+            <a:endParaRPr kumimoji="1" lang="ja-JP" altLang="en-US" dirty="0">
+              <a:solidFill>
+                <a:sysClr val="windowText" lastClr="000000"/>
+              </a:solidFill>
+            </a:endParaRPr>
+          </a:p>
+        </p:txBody>
+      </p:sp>
+      <p:sp>
+        <p:nvSpPr>
+          <p:cNvPr id="20" name="角丸四角形吹き出し 19"/>
+          <p:cNvSpPr/>
+          <p:nvPr/>
+        </p:nvSpPr>
+        <p:spPr>
+          <a:xfrm>
+            <a:off x="2933639" y="1602034"/>
+            <a:ext cx="1162122" cy="409760"/>
+          </a:xfrm>
+          <a:prstGeom prst="wedgeRoundRectCallout">
+            <a:avLst>
+              <a:gd name="adj1" fmla="val -30112"/>
+              <a:gd name="adj2" fmla="val 89324"/>
+              <a:gd name="adj3" fmla="val 16667"/>
+            </a:avLst>
+          </a:prstGeom>
+          <a:solidFill>
+            <a:schemeClr val="bg1"/>
+          </a:solidFill>
+          <a:ln>
+            <a:solidFill>
+              <a:schemeClr val="tx1"/>
+            </a:solidFill>
+          </a:ln>
+        </p:spPr>
+        <p:style>
+          <a:lnRef idx="2">
+            <a:schemeClr val="accent1">
+              <a:shade val="50000"/>
+            </a:schemeClr>
+          </a:lnRef>
+          <a:fillRef idx="1">
+            <a:schemeClr val="accent1"/>
+          </a:fillRef>
+          <a:effectRef idx="0">
+            <a:schemeClr val="accent1"/>
+          </a:effectRef>
+          <a:fontRef idx="minor">
+            <a:schemeClr val="lt1"/>
+          </a:fontRef>
+        </p:style>
+        <p:txBody>
+          <a:bodyPr rtlCol="0" anchor="ctr"/>
+          <a:lstStyle/>
+          <a:p>
+            <a:pPr algn="ctr"/>
+            <a:r>
+              <a:rPr lang="ja-JP" altLang="en-US" dirty="0" smtClean="0">
+                <a:solidFill>
+                  <a:sysClr val="windowText" lastClr="000000"/>
+                </a:solidFill>
+              </a:rPr>
+              <a:t>ボス敵</a:t>
+            </a:r>
+            <a:endParaRPr kumimoji="1" lang="ja-JP" altLang="en-US" dirty="0">
+              <a:solidFill>
+                <a:sysClr val="windowText" lastClr="000000"/>
+              </a:solidFill>
+            </a:endParaRPr>
+          </a:p>
+        </p:txBody>
+      </p:sp>
+      <p:sp>
+        <p:nvSpPr>
+          <p:cNvPr id="21" name="角丸四角形吹き出し 20"/>
+          <p:cNvSpPr/>
+          <p:nvPr/>
+        </p:nvSpPr>
+        <p:spPr>
+          <a:xfrm>
+            <a:off x="5305636" y="1685186"/>
+            <a:ext cx="1872208" cy="409760"/>
+          </a:xfrm>
+          <a:prstGeom prst="wedgeRoundRectCallout">
+            <a:avLst>
+              <a:gd name="adj1" fmla="val -40369"/>
+              <a:gd name="adj2" fmla="val -95894"/>
+              <a:gd name="adj3" fmla="val 16667"/>
+            </a:avLst>
+          </a:prstGeom>
+          <a:solidFill>
+            <a:schemeClr val="bg1"/>
+          </a:solidFill>
+          <a:ln>
+            <a:solidFill>
+              <a:schemeClr val="tx1"/>
+            </a:solidFill>
+          </a:ln>
+        </p:spPr>
+        <p:style>
+          <a:lnRef idx="2">
+            <a:schemeClr val="accent1">
+              <a:shade val="50000"/>
+            </a:schemeClr>
+          </a:lnRef>
+          <a:fillRef idx="1">
+            <a:schemeClr val="accent1"/>
+          </a:fillRef>
+          <a:effectRef idx="0">
+            <a:schemeClr val="accent1"/>
+          </a:effectRef>
+          <a:fontRef idx="minor">
+            <a:schemeClr val="lt1"/>
+          </a:fontRef>
+        </p:style>
+        <p:txBody>
+          <a:bodyPr rtlCol="0" anchor="ctr"/>
+          <a:lstStyle/>
+          <a:p>
+            <a:pPr algn="ctr"/>
+            <a:r>
+              <a:rPr kumimoji="1" lang="ja-JP" altLang="en-US" dirty="0" smtClean="0">
+                <a:solidFill>
+                  <a:sysClr val="windowText" lastClr="000000"/>
+                </a:solidFill>
+              </a:rPr>
+              <a:t>ボス敵の</a:t>
+            </a:r>
+            <a:r>
+              <a:rPr kumimoji="1" lang="en-US" altLang="ja-JP" dirty="0" smtClean="0">
+                <a:solidFill>
+                  <a:sysClr val="windowText" lastClr="000000"/>
+                </a:solidFill>
+              </a:rPr>
+              <a:t>HP</a:t>
+            </a:r>
+            <a:endParaRPr kumimoji="1" lang="ja-JP" altLang="en-US" dirty="0">
+              <a:solidFill>
+                <a:sysClr val="windowText" lastClr="000000"/>
+              </a:solidFill>
+            </a:endParaRPr>
+          </a:p>
+        </p:txBody>
+      </p:sp>
     </p:spTree>
     <p:extLst>
       <p:ext uri="{BB962C8B-B14F-4D97-AF65-F5344CB8AC3E}">
